--- a/Linear Data Structures.pptx
+++ b/Linear Data Structures.pptx
@@ -10,6 +10,9 @@
     <p:sldId id="257" r:id="rId4"/>
     <p:sldId id="258" r:id="rId5"/>
     <p:sldId id="260" r:id="rId6"/>
+    <p:sldId id="261" r:id="rId7"/>
+    <p:sldId id="262" r:id="rId8"/>
+    <p:sldId id="263" r:id="rId9"/>
   </p:sldIdLst>
   <p:sldSz cx="12192000" cy="6858000"/>
   <p:notesSz cx="6858000" cy="9144000"/>
@@ -329,7 +332,7 @@
           <a:p>
             <a:fld id="{5CFB35DB-DAC8-46D3-A03B-66B5F82307B5}" type="datetimeFigureOut">
               <a:rPr lang="bg-BG" smtClean="0"/>
-              <a:t>29.9.2023 г.</a:t>
+              <a:t>1.10.2023 г.</a:t>
             </a:fld>
             <a:endParaRPr lang="bg-BG"/>
           </a:p>
@@ -620,7 +623,7 @@
           <a:p>
             <a:fld id="{5CFB35DB-DAC8-46D3-A03B-66B5F82307B5}" type="datetimeFigureOut">
               <a:rPr lang="bg-BG" smtClean="0"/>
-              <a:t>29.9.2023 г.</a:t>
+              <a:t>1.10.2023 г.</a:t>
             </a:fld>
             <a:endParaRPr lang="bg-BG"/>
           </a:p>
@@ -879,7 +882,7 @@
           <a:p>
             <a:fld id="{5CFB35DB-DAC8-46D3-A03B-66B5F82307B5}" type="datetimeFigureOut">
               <a:rPr lang="bg-BG" smtClean="0"/>
-              <a:t>29.9.2023 г.</a:t>
+              <a:t>1.10.2023 г.</a:t>
             </a:fld>
             <a:endParaRPr lang="bg-BG"/>
           </a:p>
@@ -1348,7 +1351,7 @@
           <a:p>
             <a:fld id="{5CFB35DB-DAC8-46D3-A03B-66B5F82307B5}" type="datetimeFigureOut">
               <a:rPr lang="bg-BG" smtClean="0"/>
-              <a:t>29.9.2023 г.</a:t>
+              <a:t>1.10.2023 г.</a:t>
             </a:fld>
             <a:endParaRPr lang="bg-BG"/>
           </a:p>
@@ -1528,7 +1531,7 @@
           <a:p>
             <a:fld id="{5CFB35DB-DAC8-46D3-A03B-66B5F82307B5}" type="datetimeFigureOut">
               <a:rPr lang="bg-BG" smtClean="0"/>
-              <a:t>29.9.2023 г.</a:t>
+              <a:t>1.10.2023 г.</a:t>
             </a:fld>
             <a:endParaRPr lang="bg-BG"/>
           </a:p>
@@ -2104,7 +2107,7 @@
           <a:p>
             <a:fld id="{5CFB35DB-DAC8-46D3-A03B-66B5F82307B5}" type="datetimeFigureOut">
               <a:rPr lang="bg-BG" smtClean="0"/>
-              <a:t>29.9.2023 г.</a:t>
+              <a:t>1.10.2023 г.</a:t>
             </a:fld>
             <a:endParaRPr lang="bg-BG"/>
           </a:p>
@@ -2436,7 +2439,7 @@
           <a:p>
             <a:fld id="{5CFB35DB-DAC8-46D3-A03B-66B5F82307B5}" type="datetimeFigureOut">
               <a:rPr lang="bg-BG" smtClean="0"/>
-              <a:t>29.9.2023 г.</a:t>
+              <a:t>1.10.2023 г.</a:t>
             </a:fld>
             <a:endParaRPr lang="bg-BG"/>
           </a:p>
@@ -2611,7 +2614,7 @@
           <a:p>
             <a:fld id="{5CFB35DB-DAC8-46D3-A03B-66B5F82307B5}" type="datetimeFigureOut">
               <a:rPr lang="bg-BG" smtClean="0"/>
-              <a:t>29.9.2023 г.</a:t>
+              <a:t>1.10.2023 г.</a:t>
             </a:fld>
             <a:endParaRPr lang="bg-BG"/>
           </a:p>
@@ -2791,7 +2794,7 @@
           <a:p>
             <a:fld id="{5CFB35DB-DAC8-46D3-A03B-66B5F82307B5}" type="datetimeFigureOut">
               <a:rPr lang="bg-BG" smtClean="0"/>
-              <a:t>29.9.2023 г.</a:t>
+              <a:t>1.10.2023 г.</a:t>
             </a:fld>
             <a:endParaRPr lang="bg-BG"/>
           </a:p>
@@ -2961,7 +2964,7 @@
           <a:p>
             <a:fld id="{5CFB35DB-DAC8-46D3-A03B-66B5F82307B5}" type="datetimeFigureOut">
               <a:rPr lang="bg-BG" smtClean="0"/>
-              <a:t>29.9.2023 г.</a:t>
+              <a:t>1.10.2023 г.</a:t>
             </a:fld>
             <a:endParaRPr lang="bg-BG"/>
           </a:p>
@@ -3218,7 +3221,7 @@
           <a:p>
             <a:fld id="{5CFB35DB-DAC8-46D3-A03B-66B5F82307B5}" type="datetimeFigureOut">
               <a:rPr lang="bg-BG" smtClean="0"/>
-              <a:t>29.9.2023 г.</a:t>
+              <a:t>1.10.2023 г.</a:t>
             </a:fld>
             <a:endParaRPr lang="bg-BG"/>
           </a:p>
@@ -3510,7 +3513,7 @@
           <a:p>
             <a:fld id="{5CFB35DB-DAC8-46D3-A03B-66B5F82307B5}" type="datetimeFigureOut">
               <a:rPr lang="bg-BG" smtClean="0"/>
-              <a:t>29.9.2023 г.</a:t>
+              <a:t>1.10.2023 г.</a:t>
             </a:fld>
             <a:endParaRPr lang="bg-BG"/>
           </a:p>
@@ -3940,7 +3943,7 @@
           <a:p>
             <a:fld id="{5CFB35DB-DAC8-46D3-A03B-66B5F82307B5}" type="datetimeFigureOut">
               <a:rPr lang="bg-BG" smtClean="0"/>
-              <a:t>29.9.2023 г.</a:t>
+              <a:t>1.10.2023 г.</a:t>
             </a:fld>
             <a:endParaRPr lang="bg-BG"/>
           </a:p>
@@ -4058,7 +4061,7 @@
           <a:p>
             <a:fld id="{5CFB35DB-DAC8-46D3-A03B-66B5F82307B5}" type="datetimeFigureOut">
               <a:rPr lang="bg-BG" smtClean="0"/>
-              <a:t>29.9.2023 г.</a:t>
+              <a:t>1.10.2023 г.</a:t>
             </a:fld>
             <a:endParaRPr lang="bg-BG"/>
           </a:p>
@@ -4153,7 +4156,7 @@
           <a:p>
             <a:fld id="{5CFB35DB-DAC8-46D3-A03B-66B5F82307B5}" type="datetimeFigureOut">
               <a:rPr lang="bg-BG" smtClean="0"/>
-              <a:t>29.9.2023 г.</a:t>
+              <a:t>1.10.2023 г.</a:t>
             </a:fld>
             <a:endParaRPr lang="bg-BG"/>
           </a:p>
@@ -4436,7 +4439,7 @@
           <a:p>
             <a:fld id="{5CFB35DB-DAC8-46D3-A03B-66B5F82307B5}" type="datetimeFigureOut">
               <a:rPr lang="bg-BG" smtClean="0"/>
-              <a:t>29.9.2023 г.</a:t>
+              <a:t>1.10.2023 г.</a:t>
             </a:fld>
             <a:endParaRPr lang="bg-BG"/>
           </a:p>
@@ -4727,7 +4730,7 @@
           <a:p>
             <a:fld id="{5CFB35DB-DAC8-46D3-A03B-66B5F82307B5}" type="datetimeFigureOut">
               <a:rPr lang="bg-BG" smtClean="0"/>
-              <a:t>29.9.2023 г.</a:t>
+              <a:t>1.10.2023 г.</a:t>
             </a:fld>
             <a:endParaRPr lang="bg-BG"/>
           </a:p>
@@ -4958,7 +4961,7 @@
           <a:p>
             <a:fld id="{5CFB35DB-DAC8-46D3-A03B-66B5F82307B5}" type="datetimeFigureOut">
               <a:rPr lang="bg-BG" smtClean="0"/>
-              <a:t>29.9.2023 г.</a:t>
+              <a:t>1.10.2023 г.</a:t>
             </a:fld>
             <a:endParaRPr lang="bg-BG"/>
           </a:p>
@@ -6511,8 +6514,8 @@
         </p:nvSpPr>
         <p:spPr>
           <a:xfrm>
-            <a:off x="643192" y="609600"/>
-            <a:ext cx="3643674" cy="1905000"/>
+            <a:off x="643192" y="708454"/>
+            <a:ext cx="3643674" cy="972065"/>
           </a:xfrm>
         </p:spPr>
         <p:txBody>
@@ -6524,7 +6527,7 @@
             <a:pPr algn="ctr"/>
             <a:r>
               <a:rPr lang="en-US" sz="2800" dirty="0"/>
-              <a:t>List ADT</a:t>
+              <a:t>List</a:t>
             </a:r>
             <a:endParaRPr lang="bg-BG" sz="2800" dirty="0"/>
           </a:p>
@@ -6548,8 +6551,8 @@
         </p:nvSpPr>
         <p:spPr>
           <a:xfrm>
-            <a:off x="643192" y="2075935"/>
-            <a:ext cx="3643674" cy="3807340"/>
+            <a:off x="643192" y="1548714"/>
+            <a:ext cx="3643674" cy="4334561"/>
           </a:xfrm>
         </p:spPr>
         <p:txBody>
@@ -6558,6 +6561,18 @@
           </a:bodyPr>
           <a:lstStyle/>
           <a:p>
+            <a:pPr marL="0" indent="0">
+              <a:buNone/>
+            </a:pPr>
+            <a:endParaRPr lang="bg-BG" sz="1800" dirty="0">
+              <a:solidFill>
+                <a:srgbClr val="92D050"/>
+              </a:solidFill>
+              <a:latin typeface="Arial" panose="020B0604020202020204" pitchFamily="34" charset="0"/>
+              <a:cs typeface="Arial" panose="020B0604020202020204" pitchFamily="34" charset="0"/>
+            </a:endParaRPr>
+          </a:p>
+          <a:p>
             <a:r>
               <a:rPr lang="en-US" sz="1800" dirty="0">
                 <a:solidFill>
@@ -6566,6 +6581,42 @@
                 <a:latin typeface="Arial" panose="020B0604020202020204" pitchFamily="34" charset="0"/>
                 <a:cs typeface="Arial" panose="020B0604020202020204" pitchFamily="34" charset="0"/>
               </a:rPr>
+              <a:t>List</a:t>
+            </a:r>
+            <a:r>
+              <a:rPr lang="bg-BG" sz="1800" dirty="0">
+                <a:solidFill>
+                  <a:srgbClr val="92D050"/>
+                </a:solidFill>
+                <a:latin typeface="Arial" panose="020B0604020202020204" pitchFamily="34" charset="0"/>
+                <a:cs typeface="Arial" panose="020B0604020202020204" pitchFamily="34" charset="0"/>
+              </a:rPr>
+              <a:t> </a:t>
+            </a:r>
+            <a:r>
+              <a:rPr lang="bg-BG" sz="1800" dirty="0">
+                <a:latin typeface="Arial" panose="020B0604020202020204" pitchFamily="34" charset="0"/>
+                <a:cs typeface="Arial" panose="020B0604020202020204" pitchFamily="34" charset="0"/>
+              </a:rPr>
+              <a:t>е колекция от елементи от един и същи тип.</a:t>
+            </a:r>
+            <a:endParaRPr lang="en-US" sz="1800" dirty="0">
+              <a:solidFill>
+                <a:srgbClr val="92D050"/>
+              </a:solidFill>
+              <a:latin typeface="Arial" panose="020B0604020202020204" pitchFamily="34" charset="0"/>
+              <a:cs typeface="Arial" panose="020B0604020202020204" pitchFamily="34" charset="0"/>
+            </a:endParaRPr>
+          </a:p>
+          <a:p>
+            <a:r>
+              <a:rPr lang="en-US" sz="1800" dirty="0">
+                <a:solidFill>
+                  <a:srgbClr val="92D050"/>
+                </a:solidFill>
+                <a:latin typeface="Arial" panose="020B0604020202020204" pitchFamily="34" charset="0"/>
+                <a:cs typeface="Arial" panose="020B0604020202020204" pitchFamily="34" charset="0"/>
+              </a:rPr>
               <a:t>List </a:t>
             </a:r>
             <a:r>
@@ -6583,7 +6634,17 @@
                 <a:latin typeface="Arial" panose="020B0604020202020204" pitchFamily="34" charset="0"/>
                 <a:cs typeface="Arial" panose="020B0604020202020204" pitchFamily="34" charset="0"/>
               </a:rPr>
-              <a:t> ADT </a:t>
+              <a:t> ADT</a:t>
+            </a:r>
+            <a:r>
+              <a:rPr lang="bg-BG" sz="1800" dirty="0">
+                <a:solidFill>
+                  <a:srgbClr val="92D050"/>
+                </a:solidFill>
+                <a:latin typeface="Arial" panose="020B0604020202020204" pitchFamily="34" charset="0"/>
+                <a:cs typeface="Arial" panose="020B0604020202020204" pitchFamily="34" charset="0"/>
+              </a:rPr>
+              <a:t> </a:t>
             </a:r>
             <a:r>
               <a:rPr lang="bg-BG" sz="1800" dirty="0">
@@ -6724,6 +6785,804 @@
     <p:extLst>
       <p:ext uri="{BB962C8B-B14F-4D97-AF65-F5344CB8AC3E}">
         <p14:creationId xmlns:p14="http://schemas.microsoft.com/office/powerpoint/2010/main" val="4207801469"/>
+      </p:ext>
+    </p:extLst>
+  </p:cSld>
+  <p:clrMapOvr>
+    <a:masterClrMapping/>
+  </p:clrMapOvr>
+</p:sld>
+</file>
+
+<file path=ppt/slides/slide6.xml><?xml version="1.0" encoding="utf-8"?>
+<p:sld xmlns:a="http://schemas.openxmlformats.org/drawingml/2006/main" xmlns:r="http://schemas.openxmlformats.org/officeDocument/2006/relationships" xmlns:p="http://schemas.openxmlformats.org/presentationml/2006/main">
+  <p:cSld>
+    <p:spTree>
+      <p:nvGrpSpPr>
+        <p:cNvPr id="1" name=""/>
+        <p:cNvGrpSpPr/>
+        <p:nvPr/>
+      </p:nvGrpSpPr>
+      <p:grpSpPr>
+        <a:xfrm>
+          <a:off x="0" y="0"/>
+          <a:ext cx="0" cy="0"/>
+          <a:chOff x="0" y="0"/>
+          <a:chExt cx="0" cy="0"/>
+        </a:xfrm>
+      </p:grpSpPr>
+      <p:sp>
+        <p:nvSpPr>
+          <p:cNvPr id="2" name="Title 1">
+            <a:extLst>
+              <a:ext uri="{FF2B5EF4-FFF2-40B4-BE49-F238E27FC236}">
+                <a16:creationId xmlns:a16="http://schemas.microsoft.com/office/drawing/2014/main" id="{43D04E42-E70C-1364-BCF7-9C0DFBEE72DA}"/>
+              </a:ext>
+            </a:extLst>
+          </p:cNvPr>
+          <p:cNvSpPr>
+            <a:spLocks noGrp="1"/>
+          </p:cNvSpPr>
+          <p:nvPr>
+            <p:ph type="title"/>
+          </p:nvPr>
+        </p:nvSpPr>
+        <p:spPr/>
+        <p:txBody>
+          <a:bodyPr/>
+          <a:lstStyle/>
+          <a:p>
+            <a:pPr algn="ctr"/>
+            <a:r>
+              <a:rPr lang="en-US" dirty="0">
+                <a:solidFill>
+                  <a:srgbClr val="92D050"/>
+                </a:solidFill>
+                <a:latin typeface="Arial" panose="020B0604020202020204" pitchFamily="34" charset="0"/>
+                <a:cs typeface="Arial" panose="020B0604020202020204" pitchFamily="34" charset="0"/>
+              </a:rPr>
+              <a:t>List</a:t>
+            </a:r>
+            <a:r>
+              <a:rPr lang="bg-BG" dirty="0">
+                <a:latin typeface="Arial" panose="020B0604020202020204" pitchFamily="34" charset="0"/>
+                <a:cs typeface="Arial" panose="020B0604020202020204" pitchFamily="34" charset="0"/>
+              </a:rPr>
+              <a:t> </a:t>
+            </a:r>
+            <a:r>
+              <a:rPr lang="en-US" dirty="0">
+                <a:latin typeface="Arial" panose="020B0604020202020204" pitchFamily="34" charset="0"/>
+                <a:cs typeface="Arial" panose="020B0604020202020204" pitchFamily="34" charset="0"/>
+              </a:rPr>
+              <a:t>ADT</a:t>
+            </a:r>
+            <a:r>
+              <a:rPr lang="bg-BG" dirty="0">
+                <a:latin typeface="Arial" panose="020B0604020202020204" pitchFamily="34" charset="0"/>
+                <a:cs typeface="Arial" panose="020B0604020202020204" pitchFamily="34" charset="0"/>
+              </a:rPr>
+              <a:t> (</a:t>
+            </a:r>
+            <a:r>
+              <a:rPr lang="en-US" dirty="0">
+                <a:latin typeface="Arial" panose="020B0604020202020204" pitchFamily="34" charset="0"/>
+                <a:cs typeface="Arial" panose="020B0604020202020204" pitchFamily="34" charset="0"/>
+              </a:rPr>
+              <a:t>static</a:t>
+            </a:r>
+            <a:r>
+              <a:rPr lang="bg-BG" dirty="0">
+                <a:latin typeface="Arial" panose="020B0604020202020204" pitchFamily="34" charset="0"/>
+                <a:cs typeface="Arial" panose="020B0604020202020204" pitchFamily="34" charset="0"/>
+              </a:rPr>
+              <a:t>)</a:t>
+            </a:r>
+            <a:r>
+              <a:rPr lang="en-US" dirty="0">
+                <a:latin typeface="Arial" panose="020B0604020202020204" pitchFamily="34" charset="0"/>
+                <a:cs typeface="Arial" panose="020B0604020202020204" pitchFamily="34" charset="0"/>
+              </a:rPr>
+              <a:t> KATO </a:t>
+            </a:r>
+            <a:r>
+              <a:rPr lang="bg-BG" dirty="0">
+                <a:solidFill>
+                  <a:srgbClr val="92D050"/>
+                </a:solidFill>
+                <a:latin typeface="Arial" panose="020B0604020202020204" pitchFamily="34" charset="0"/>
+                <a:cs typeface="Arial" panose="020B0604020202020204" pitchFamily="34" charset="0"/>
+              </a:rPr>
+              <a:t>СТАТИЧЕН МАСИВ </a:t>
+            </a:r>
+          </a:p>
+        </p:txBody>
+      </p:sp>
+      <p:sp>
+        <p:nvSpPr>
+          <p:cNvPr id="3" name="Content Placeholder 2">
+            <a:extLst>
+              <a:ext uri="{FF2B5EF4-FFF2-40B4-BE49-F238E27FC236}">
+                <a16:creationId xmlns:a16="http://schemas.microsoft.com/office/drawing/2014/main" id="{73D8E59B-B26E-3B7F-CA1B-C9F4D3173088}"/>
+              </a:ext>
+            </a:extLst>
+          </p:cNvPr>
+          <p:cNvSpPr>
+            <a:spLocks noGrp="1"/>
+          </p:cNvSpPr>
+          <p:nvPr>
+            <p:ph idx="1"/>
+          </p:nvPr>
+        </p:nvSpPr>
+        <p:spPr>
+          <a:xfrm>
+            <a:off x="1059035" y="2238633"/>
+            <a:ext cx="9905998" cy="1361304"/>
+          </a:xfrm>
+        </p:spPr>
+        <p:txBody>
+          <a:bodyPr/>
+          <a:lstStyle/>
+          <a:p>
+            <a:r>
+              <a:rPr lang="bg-BG" dirty="0">
+                <a:solidFill>
+                  <a:srgbClr val="92D050"/>
+                </a:solidFill>
+                <a:latin typeface="Arial" panose="020B0604020202020204" pitchFamily="34" charset="0"/>
+                <a:cs typeface="Arial" panose="020B0604020202020204" pitchFamily="34" charset="0"/>
+              </a:rPr>
+              <a:t>Статичният</a:t>
+            </a:r>
+            <a:r>
+              <a:rPr lang="bg-BG" dirty="0">
+                <a:latin typeface="Arial" panose="020B0604020202020204" pitchFamily="34" charset="0"/>
+                <a:cs typeface="Arial" panose="020B0604020202020204" pitchFamily="34" charset="0"/>
+              </a:rPr>
+              <a:t> </a:t>
+            </a:r>
+            <a:r>
+              <a:rPr lang="en-US" dirty="0">
+                <a:solidFill>
+                  <a:srgbClr val="FFFF00"/>
+                </a:solidFill>
+                <a:latin typeface="Arial" panose="020B0604020202020204" pitchFamily="34" charset="0"/>
+                <a:cs typeface="Arial" panose="020B0604020202020204" pitchFamily="34" charset="0"/>
+              </a:rPr>
+              <a:t>List</a:t>
+            </a:r>
+            <a:r>
+              <a:rPr lang="en-US" dirty="0">
+                <a:latin typeface="Arial" panose="020B0604020202020204" pitchFamily="34" charset="0"/>
+                <a:cs typeface="Arial" panose="020B0604020202020204" pitchFamily="34" charset="0"/>
+              </a:rPr>
+              <a:t> </a:t>
+            </a:r>
+            <a:r>
+              <a:rPr lang="bg-BG" dirty="0">
+                <a:latin typeface="Arial" panose="020B0604020202020204" pitchFamily="34" charset="0"/>
+                <a:cs typeface="Arial" panose="020B0604020202020204" pitchFamily="34" charset="0"/>
+              </a:rPr>
+              <a:t>е имплементиран чрез </a:t>
+            </a:r>
+            <a:r>
+              <a:rPr lang="bg-BG" dirty="0">
+                <a:solidFill>
+                  <a:srgbClr val="92D050"/>
+                </a:solidFill>
+                <a:latin typeface="Arial" panose="020B0604020202020204" pitchFamily="34" charset="0"/>
+                <a:cs typeface="Arial" panose="020B0604020202020204" pitchFamily="34" charset="0"/>
+              </a:rPr>
+              <a:t>статичен</a:t>
+            </a:r>
+            <a:r>
+              <a:rPr lang="bg-BG" dirty="0">
+                <a:latin typeface="Arial" panose="020B0604020202020204" pitchFamily="34" charset="0"/>
+                <a:cs typeface="Arial" panose="020B0604020202020204" pitchFamily="34" charset="0"/>
+              </a:rPr>
+              <a:t> </a:t>
+            </a:r>
+            <a:r>
+              <a:rPr lang="bg-BG" dirty="0">
+                <a:solidFill>
+                  <a:srgbClr val="92D050"/>
+                </a:solidFill>
+                <a:latin typeface="Arial" panose="020B0604020202020204" pitchFamily="34" charset="0"/>
+                <a:cs typeface="Arial" panose="020B0604020202020204" pitchFamily="34" charset="0"/>
+              </a:rPr>
+              <a:t>масив</a:t>
+            </a:r>
+            <a:r>
+              <a:rPr lang="bg-BG" dirty="0">
+                <a:latin typeface="Arial" panose="020B0604020202020204" pitchFamily="34" charset="0"/>
+                <a:cs typeface="Arial" panose="020B0604020202020204" pitchFamily="34" charset="0"/>
+              </a:rPr>
+              <a:t>, т.е. масив, който има </a:t>
+            </a:r>
+            <a:r>
+              <a:rPr lang="bg-BG" dirty="0">
+                <a:solidFill>
+                  <a:srgbClr val="92D050"/>
+                </a:solidFill>
+                <a:latin typeface="Arial" panose="020B0604020202020204" pitchFamily="34" charset="0"/>
+                <a:cs typeface="Arial" panose="020B0604020202020204" pitchFamily="34" charset="0"/>
+              </a:rPr>
+              <a:t>фиксиран</a:t>
+            </a:r>
+            <a:r>
+              <a:rPr lang="bg-BG" dirty="0">
+                <a:latin typeface="Arial" panose="020B0604020202020204" pitchFamily="34" charset="0"/>
+                <a:cs typeface="Arial" panose="020B0604020202020204" pitchFamily="34" charset="0"/>
+              </a:rPr>
+              <a:t> размер, зададен в момента на инициализирането му</a:t>
+            </a:r>
+            <a:r>
+              <a:rPr lang="en-US" dirty="0">
+                <a:latin typeface="Arial" panose="020B0604020202020204" pitchFamily="34" charset="0"/>
+                <a:cs typeface="Arial" panose="020B0604020202020204" pitchFamily="34" charset="0"/>
+              </a:rPr>
+              <a:t>. </a:t>
+            </a:r>
+            <a:r>
+              <a:rPr lang="bg-BG" dirty="0">
+                <a:latin typeface="Arial" panose="020B0604020202020204" pitchFamily="34" charset="0"/>
+                <a:cs typeface="Arial" panose="020B0604020202020204" pitchFamily="34" charset="0"/>
+              </a:rPr>
+              <a:t>Елементите на масива са разположени на </a:t>
+            </a:r>
+            <a:r>
+              <a:rPr lang="bg-BG" dirty="0">
+                <a:solidFill>
+                  <a:srgbClr val="92D050"/>
+                </a:solidFill>
+                <a:latin typeface="Arial" panose="020B0604020202020204" pitchFamily="34" charset="0"/>
+                <a:cs typeface="Arial" panose="020B0604020202020204" pitchFamily="34" charset="0"/>
+              </a:rPr>
+              <a:t>съседни</a:t>
+            </a:r>
+            <a:r>
+              <a:rPr lang="bg-BG" dirty="0">
+                <a:latin typeface="Arial" panose="020B0604020202020204" pitchFamily="34" charset="0"/>
+                <a:cs typeface="Arial" panose="020B0604020202020204" pitchFamily="34" charset="0"/>
+              </a:rPr>
+              <a:t> места в </a:t>
+            </a:r>
+            <a:r>
+              <a:rPr lang="bg-BG" dirty="0">
+                <a:solidFill>
+                  <a:srgbClr val="92D050"/>
+                </a:solidFill>
+                <a:latin typeface="Arial" panose="020B0604020202020204" pitchFamily="34" charset="0"/>
+                <a:cs typeface="Arial" panose="020B0604020202020204" pitchFamily="34" charset="0"/>
+              </a:rPr>
+              <a:t>паметта</a:t>
+            </a:r>
+            <a:r>
+              <a:rPr lang="bg-BG" dirty="0">
+                <a:latin typeface="Arial" panose="020B0604020202020204" pitchFamily="34" charset="0"/>
+                <a:cs typeface="Arial" panose="020B0604020202020204" pitchFamily="34" charset="0"/>
+              </a:rPr>
+              <a:t>.</a:t>
+            </a:r>
+          </a:p>
+        </p:txBody>
+      </p:sp>
+      <p:pic>
+        <p:nvPicPr>
+          <p:cNvPr id="5" name="Picture 4" descr="A screenshot of a cellphone&#10;&#10;Description automatically generated">
+            <a:extLst>
+              <a:ext uri="{FF2B5EF4-FFF2-40B4-BE49-F238E27FC236}">
+                <a16:creationId xmlns:a16="http://schemas.microsoft.com/office/drawing/2014/main" id="{69FF2827-B786-AD71-2DC0-8FB7B19CDF12}"/>
+              </a:ext>
+            </a:extLst>
+          </p:cNvPr>
+          <p:cNvPicPr>
+            <a:picLocks noChangeAspect="1"/>
+          </p:cNvPicPr>
+          <p:nvPr/>
+        </p:nvPicPr>
+        <p:blipFill>
+          <a:blip r:embed="rId2">
+            <a:extLst>
+              <a:ext uri="{28A0092B-C50C-407E-A947-70E740481C1C}">
+                <a14:useLocalDpi xmlns:a14="http://schemas.microsoft.com/office/drawing/2010/main" val="0"/>
+              </a:ext>
+            </a:extLst>
+          </a:blip>
+          <a:stretch>
+            <a:fillRect/>
+          </a:stretch>
+        </p:blipFill>
+        <p:spPr>
+          <a:xfrm>
+            <a:off x="2855708" y="3917349"/>
+            <a:ext cx="6312652" cy="1783235"/>
+          </a:xfrm>
+          <a:prstGeom prst="rect">
+            <a:avLst/>
+          </a:prstGeom>
+        </p:spPr>
+      </p:pic>
+    </p:spTree>
+    <p:extLst>
+      <p:ext uri="{BB962C8B-B14F-4D97-AF65-F5344CB8AC3E}">
+        <p14:creationId xmlns:p14="http://schemas.microsoft.com/office/powerpoint/2010/main" val="3542321669"/>
+      </p:ext>
+    </p:extLst>
+  </p:cSld>
+  <p:clrMapOvr>
+    <a:masterClrMapping/>
+  </p:clrMapOvr>
+</p:sld>
+</file>
+
+<file path=ppt/slides/slide7.xml><?xml version="1.0" encoding="utf-8"?>
+<p:sld xmlns:a="http://schemas.openxmlformats.org/drawingml/2006/main" xmlns:r="http://schemas.openxmlformats.org/officeDocument/2006/relationships" xmlns:p="http://schemas.openxmlformats.org/presentationml/2006/main">
+  <p:cSld>
+    <p:bg>
+      <p:bgPr>
+        <a:blipFill rotWithShape="1">
+          <a:blip r:embed="rId2">
+            <a:duotone>
+              <a:schemeClr val="bg2">
+                <a:shade val="28000"/>
+                <a:satMod val="94000"/>
+                <a:lumMod val="20000"/>
+              </a:schemeClr>
+              <a:schemeClr val="bg2">
+                <a:tint val="94000"/>
+                <a:shade val="84000"/>
+                <a:satMod val="148000"/>
+                <a:lumMod val="114000"/>
+              </a:schemeClr>
+            </a:duotone>
+          </a:blip>
+          <a:stretch/>
+        </a:blipFill>
+        <a:effectLst/>
+      </p:bgPr>
+    </p:bg>
+    <p:spTree>
+      <p:nvGrpSpPr>
+        <p:cNvPr id="1" name=""/>
+        <p:cNvGrpSpPr/>
+        <p:nvPr/>
+      </p:nvGrpSpPr>
+      <p:grpSpPr>
+        <a:xfrm>
+          <a:off x="0" y="0"/>
+          <a:ext cx="0" cy="0"/>
+          <a:chOff x="0" y="0"/>
+          <a:chExt cx="0" cy="0"/>
+        </a:xfrm>
+      </p:grpSpPr>
+      <p:sp>
+        <p:nvSpPr>
+          <p:cNvPr id="2" name="Title 1">
+            <a:extLst>
+              <a:ext uri="{FF2B5EF4-FFF2-40B4-BE49-F238E27FC236}">
+                <a16:creationId xmlns:a16="http://schemas.microsoft.com/office/drawing/2014/main" id="{50C1F10B-DC20-D69C-D27C-F1021970FA27}"/>
+              </a:ext>
+            </a:extLst>
+          </p:cNvPr>
+          <p:cNvSpPr>
+            <a:spLocks noGrp="1"/>
+          </p:cNvSpPr>
+          <p:nvPr>
+            <p:ph type="title"/>
+          </p:nvPr>
+        </p:nvSpPr>
+        <p:spPr>
+          <a:xfrm>
+            <a:off x="3040426" y="186381"/>
+            <a:ext cx="6408373" cy="1375719"/>
+          </a:xfrm>
+        </p:spPr>
+        <p:txBody>
+          <a:bodyPr vert="horz" lIns="91440" tIns="45720" rIns="91440" bIns="45720" rtlCol="0" anchor="ctr">
+            <a:normAutofit/>
+          </a:bodyPr>
+          <a:lstStyle/>
+          <a:p>
+            <a:pPr algn="ctr"/>
+            <a:r>
+              <a:rPr lang="en-US" dirty="0" err="1"/>
+              <a:t>Представяне</a:t>
+            </a:r>
+            <a:r>
+              <a:rPr lang="en-US" dirty="0"/>
+              <a:t> в </a:t>
+            </a:r>
+            <a:r>
+              <a:rPr lang="en-US" dirty="0">
+                <a:solidFill>
+                  <a:srgbClr val="92D050"/>
+                </a:solidFill>
+              </a:rPr>
+              <a:t>RAM</a:t>
+            </a:r>
+            <a:r>
+              <a:rPr lang="en-US" dirty="0"/>
+              <a:t> ПАМЕТТА</a:t>
+            </a:r>
+          </a:p>
+        </p:txBody>
+      </p:sp>
+      <p:sp>
+        <p:nvSpPr>
+          <p:cNvPr id="6" name="Content Placeholder 5">
+            <a:extLst>
+              <a:ext uri="{FF2B5EF4-FFF2-40B4-BE49-F238E27FC236}">
+                <a16:creationId xmlns:a16="http://schemas.microsoft.com/office/drawing/2014/main" id="{467F835F-CA6C-ACD9-F1E5-DCCE9D0402E7}"/>
+              </a:ext>
+            </a:extLst>
+          </p:cNvPr>
+          <p:cNvSpPr>
+            <a:spLocks noGrp="1"/>
+          </p:cNvSpPr>
+          <p:nvPr>
+            <p:ph sz="half" idx="2"/>
+          </p:nvPr>
+        </p:nvSpPr>
+        <p:spPr>
+          <a:xfrm>
+            <a:off x="6684076" y="2068799"/>
+            <a:ext cx="5122606" cy="3216276"/>
+          </a:xfrm>
+        </p:spPr>
+        <p:txBody>
+          <a:bodyPr vert="horz" lIns="91440" tIns="45720" rIns="91440" bIns="45720" rtlCol="0" anchor="t">
+            <a:normAutofit/>
+          </a:bodyPr>
+          <a:lstStyle/>
+          <a:p>
+            <a:r>
+              <a:rPr lang="bg-BG" dirty="0">
+                <a:latin typeface="Arial" panose="020B0604020202020204" pitchFamily="34" charset="0"/>
+                <a:cs typeface="Arial" panose="020B0604020202020204" pitchFamily="34" charset="0"/>
+              </a:rPr>
+              <a:t>ЕДНО ОТ КЛЮЧОВИТЕ ПРЕДИМСТВА НА МАСИВА ПРЕД НЯКОИ ДРУГИ СТРУКТУРИ ОТ ДАННИ Е </a:t>
+            </a:r>
+            <a:r>
+              <a:rPr lang="bg-BG" dirty="0">
+                <a:solidFill>
+                  <a:srgbClr val="92D050"/>
+                </a:solidFill>
+                <a:latin typeface="Arial" panose="020B0604020202020204" pitchFamily="34" charset="0"/>
+                <a:cs typeface="Arial" panose="020B0604020202020204" pitchFamily="34" charset="0"/>
+              </a:rPr>
+              <a:t>ДОСТЪПА ДО ЕЛЕМЕНТ ПО ИНДЕКС.</a:t>
+            </a:r>
+          </a:p>
+          <a:p>
+            <a:r>
+              <a:rPr lang="bg-BG" dirty="0">
+                <a:latin typeface="Arial" panose="020B0604020202020204" pitchFamily="34" charset="0"/>
+                <a:cs typeface="Arial" panose="020B0604020202020204" pitchFamily="34" charset="0"/>
+              </a:rPr>
+              <a:t>НЯМА ЗНАЧЕНИЕ ДАЛИ ДОСТЪПВАМЕ ПЪРВИЯ, СРЕДНИЯ ИЛИ ПОСЛЕДНИЯТ ЕЛЕМЕНТ В ПАМЕТТА. ДОСТЪПА Е С ТАКА НАРЕЧЕНАТА – </a:t>
+            </a:r>
+            <a:r>
+              <a:rPr lang="bg-BG" dirty="0">
+                <a:solidFill>
+                  <a:srgbClr val="92D050"/>
+                </a:solidFill>
+                <a:latin typeface="Arial" panose="020B0604020202020204" pitchFamily="34" charset="0"/>
+                <a:cs typeface="Arial" panose="020B0604020202020204" pitchFamily="34" charset="0"/>
+              </a:rPr>
+              <a:t>КОНСТАНТНА СЛОЖНОСТ</a:t>
+            </a:r>
+            <a:r>
+              <a:rPr lang="en-US" dirty="0">
+                <a:solidFill>
+                  <a:srgbClr val="92D050"/>
+                </a:solidFill>
+                <a:latin typeface="Arial" panose="020B0604020202020204" pitchFamily="34" charset="0"/>
+                <a:cs typeface="Arial" panose="020B0604020202020204" pitchFamily="34" charset="0"/>
+              </a:rPr>
+              <a:t> - </a:t>
+            </a:r>
+            <a:r>
+              <a:rPr lang="en-US" dirty="0">
+                <a:solidFill>
+                  <a:srgbClr val="FFC000"/>
+                </a:solidFill>
+                <a:latin typeface="Arial" panose="020B0604020202020204" pitchFamily="34" charset="0"/>
+                <a:cs typeface="Arial" panose="020B0604020202020204" pitchFamily="34" charset="0"/>
+              </a:rPr>
+              <a:t>O(1)</a:t>
+            </a:r>
+            <a:r>
+              <a:rPr lang="bg-BG" dirty="0">
+                <a:solidFill>
+                  <a:srgbClr val="FFC000"/>
+                </a:solidFill>
+                <a:latin typeface="Arial" panose="020B0604020202020204" pitchFamily="34" charset="0"/>
+                <a:cs typeface="Arial" panose="020B0604020202020204" pitchFamily="34" charset="0"/>
+              </a:rPr>
+              <a:t>.</a:t>
+            </a:r>
+            <a:endParaRPr lang="en-US" dirty="0">
+              <a:solidFill>
+                <a:srgbClr val="FFC000"/>
+              </a:solidFill>
+              <a:latin typeface="Arial" panose="020B0604020202020204" pitchFamily="34" charset="0"/>
+              <a:cs typeface="Arial" panose="020B0604020202020204" pitchFamily="34" charset="0"/>
+            </a:endParaRPr>
+          </a:p>
+        </p:txBody>
+      </p:sp>
+      <p:pic>
+        <p:nvPicPr>
+          <p:cNvPr id="5" name="Content Placeholder 4" descr="A screenshot of a memory game&#10;&#10;Description automatically generated">
+            <a:extLst>
+              <a:ext uri="{FF2B5EF4-FFF2-40B4-BE49-F238E27FC236}">
+                <a16:creationId xmlns:a16="http://schemas.microsoft.com/office/drawing/2014/main" id="{BB6A7702-E995-3AD4-34A1-4719F97526FB}"/>
+              </a:ext>
+            </a:extLst>
+          </p:cNvPr>
+          <p:cNvPicPr>
+            <a:picLocks noGrp="1" noChangeAspect="1"/>
+          </p:cNvPicPr>
+          <p:nvPr>
+            <p:ph sz="half" idx="1"/>
+          </p:nvPr>
+        </p:nvPicPr>
+        <p:blipFill>
+          <a:blip r:embed="rId3">
+            <a:extLst>
+              <a:ext uri="{28A0092B-C50C-407E-A947-70E740481C1C}">
+                <a14:useLocalDpi xmlns:a14="http://schemas.microsoft.com/office/drawing/2010/main" val="0"/>
+              </a:ext>
+            </a:extLst>
+          </a:blip>
+          <a:stretch>
+            <a:fillRect/>
+          </a:stretch>
+        </p:blipFill>
+        <p:spPr>
+          <a:xfrm>
+            <a:off x="1336924" y="1895303"/>
+            <a:ext cx="5022554" cy="3389771"/>
+          </a:xfrm>
+          <a:prstGeom prst="roundRect">
+            <a:avLst>
+              <a:gd name="adj" fmla="val 3517"/>
+            </a:avLst>
+          </a:prstGeom>
+          <a:ln w="38100">
+            <a:gradFill flip="none" rotWithShape="1">
+              <a:gsLst>
+                <a:gs pos="0">
+                  <a:srgbClr val="363D46"/>
+                </a:gs>
+                <a:gs pos="100000">
+                  <a:srgbClr val="363D46">
+                    <a:lumMod val="75000"/>
+                  </a:srgbClr>
+                </a:gs>
+              </a:gsLst>
+              <a:lin ang="5400000" scaled="0"/>
+              <a:tileRect/>
+            </a:gradFill>
+          </a:ln>
+          <a:effectLst>
+            <a:innerShdw blurRad="57150" dist="38100" dir="14460000">
+              <a:srgbClr val="000000">
+                <a:alpha val="70000"/>
+              </a:srgbClr>
+            </a:innerShdw>
+          </a:effectLst>
+        </p:spPr>
+      </p:pic>
+    </p:spTree>
+    <p:extLst>
+      <p:ext uri="{BB962C8B-B14F-4D97-AF65-F5344CB8AC3E}">
+        <p14:creationId xmlns:p14="http://schemas.microsoft.com/office/powerpoint/2010/main" val="225575216"/>
+      </p:ext>
+    </p:extLst>
+  </p:cSld>
+  <p:clrMapOvr>
+    <a:masterClrMapping/>
+  </p:clrMapOvr>
+</p:sld>
+</file>
+
+<file path=ppt/slides/slide8.xml><?xml version="1.0" encoding="utf-8"?>
+<p:sld xmlns:a="http://schemas.openxmlformats.org/drawingml/2006/main" xmlns:r="http://schemas.openxmlformats.org/officeDocument/2006/relationships" xmlns:p="http://schemas.openxmlformats.org/presentationml/2006/main">
+  <p:cSld>
+    <p:spTree>
+      <p:nvGrpSpPr>
+        <p:cNvPr id="1" name=""/>
+        <p:cNvGrpSpPr/>
+        <p:nvPr/>
+      </p:nvGrpSpPr>
+      <p:grpSpPr>
+        <a:xfrm>
+          <a:off x="0" y="0"/>
+          <a:ext cx="0" cy="0"/>
+          <a:chOff x="0" y="0"/>
+          <a:chExt cx="0" cy="0"/>
+        </a:xfrm>
+      </p:grpSpPr>
+      <p:sp>
+        <p:nvSpPr>
+          <p:cNvPr id="2" name="Title 1">
+            <a:extLst>
+              <a:ext uri="{FF2B5EF4-FFF2-40B4-BE49-F238E27FC236}">
+                <a16:creationId xmlns:a16="http://schemas.microsoft.com/office/drawing/2014/main" id="{DAB9D068-3AE1-0A3E-ABC9-22CD7E8368C9}"/>
+              </a:ext>
+            </a:extLst>
+          </p:cNvPr>
+          <p:cNvSpPr>
+            <a:spLocks noGrp="1"/>
+          </p:cNvSpPr>
+          <p:nvPr>
+            <p:ph type="title"/>
+          </p:nvPr>
+        </p:nvSpPr>
+        <p:spPr>
+          <a:xfrm>
+            <a:off x="1001370" y="881448"/>
+            <a:ext cx="9905998" cy="733168"/>
+          </a:xfrm>
+        </p:spPr>
+        <p:txBody>
+          <a:bodyPr/>
+          <a:lstStyle/>
+          <a:p>
+            <a:pPr algn="ctr"/>
+            <a:r>
+              <a:rPr lang="en-US" dirty="0">
+                <a:latin typeface="Arial" panose="020B0604020202020204" pitchFamily="34" charset="0"/>
+                <a:cs typeface="Arial" panose="020B0604020202020204" pitchFamily="34" charset="0"/>
+              </a:rPr>
+              <a:t>List (static) - </a:t>
+            </a:r>
+            <a:r>
+              <a:rPr lang="bg-BG" dirty="0">
+                <a:latin typeface="Arial" panose="020B0604020202020204" pitchFamily="34" charset="0"/>
+                <a:cs typeface="Arial" panose="020B0604020202020204" pitchFamily="34" charset="0"/>
+              </a:rPr>
+              <a:t>ограничения</a:t>
+            </a:r>
+          </a:p>
+        </p:txBody>
+      </p:sp>
+      <p:sp>
+        <p:nvSpPr>
+          <p:cNvPr id="3" name="Content Placeholder 2">
+            <a:extLst>
+              <a:ext uri="{FF2B5EF4-FFF2-40B4-BE49-F238E27FC236}">
+                <a16:creationId xmlns:a16="http://schemas.microsoft.com/office/drawing/2014/main" id="{BB66604F-467A-72C7-63F5-DEF559347997}"/>
+              </a:ext>
+            </a:extLst>
+          </p:cNvPr>
+          <p:cNvSpPr>
+            <a:spLocks noGrp="1"/>
+          </p:cNvSpPr>
+          <p:nvPr>
+            <p:ph idx="1"/>
+          </p:nvPr>
+        </p:nvSpPr>
+        <p:spPr>
+          <a:xfrm>
+            <a:off x="1141413" y="2397212"/>
+            <a:ext cx="9905998" cy="2215978"/>
+          </a:xfrm>
+        </p:spPr>
+        <p:txBody>
+          <a:bodyPr/>
+          <a:lstStyle/>
+          <a:p>
+            <a:r>
+              <a:rPr lang="bg-BG" dirty="0">
+                <a:latin typeface="Arial" panose="020B0604020202020204" pitchFamily="34" charset="0"/>
+                <a:cs typeface="Arial" panose="020B0604020202020204" pitchFamily="34" charset="0"/>
+              </a:rPr>
+              <a:t>Както беше подчертано, абстрактният лист имплементиран чрез </a:t>
+            </a:r>
+            <a:r>
+              <a:rPr lang="bg-BG" dirty="0">
+                <a:solidFill>
+                  <a:srgbClr val="92D050"/>
+                </a:solidFill>
+                <a:latin typeface="Arial" panose="020B0604020202020204" pitchFamily="34" charset="0"/>
+                <a:cs typeface="Arial" panose="020B0604020202020204" pitchFamily="34" charset="0"/>
+              </a:rPr>
+              <a:t>статичен масив </a:t>
+            </a:r>
+            <a:r>
+              <a:rPr lang="bg-BG" dirty="0">
+                <a:latin typeface="Arial" panose="020B0604020202020204" pitchFamily="34" charset="0"/>
+                <a:cs typeface="Arial" panose="020B0604020202020204" pitchFamily="34" charset="0"/>
+              </a:rPr>
+              <a:t>има </a:t>
+            </a:r>
+            <a:r>
+              <a:rPr lang="bg-BG" dirty="0">
+                <a:solidFill>
+                  <a:srgbClr val="92D050"/>
+                </a:solidFill>
+                <a:latin typeface="Arial" panose="020B0604020202020204" pitchFamily="34" charset="0"/>
+                <a:cs typeface="Arial" panose="020B0604020202020204" pitchFamily="34" charset="0"/>
+              </a:rPr>
+              <a:t>фиксиран размер</a:t>
+            </a:r>
+            <a:r>
+              <a:rPr lang="bg-BG" dirty="0">
+                <a:latin typeface="Arial" panose="020B0604020202020204" pitchFamily="34" charset="0"/>
+                <a:cs typeface="Arial" panose="020B0604020202020204" pitchFamily="34" charset="0"/>
+              </a:rPr>
+              <a:t>, който се задава при инициализирането му и след това </a:t>
+            </a:r>
+            <a:r>
+              <a:rPr lang="bg-BG" dirty="0">
+                <a:solidFill>
+                  <a:srgbClr val="92D050"/>
+                </a:solidFill>
+                <a:latin typeface="Arial" panose="020B0604020202020204" pitchFamily="34" charset="0"/>
+                <a:cs typeface="Arial" panose="020B0604020202020204" pitchFamily="34" charset="0"/>
+              </a:rPr>
+              <a:t>не може да се променя</a:t>
+            </a:r>
+            <a:r>
+              <a:rPr lang="bg-BG" dirty="0">
+                <a:latin typeface="Arial" panose="020B0604020202020204" pitchFamily="34" charset="0"/>
+                <a:cs typeface="Arial" panose="020B0604020202020204" pitchFamily="34" charset="0"/>
+              </a:rPr>
+              <a:t>. </a:t>
+            </a:r>
+          </a:p>
+          <a:p>
+            <a:r>
+              <a:rPr lang="bg-BG" dirty="0">
+                <a:latin typeface="Arial" panose="020B0604020202020204" pitchFamily="34" charset="0"/>
+                <a:cs typeface="Arial" panose="020B0604020202020204" pitchFamily="34" charset="0"/>
+              </a:rPr>
+              <a:t>Добавянето на елемент извън рамките на големината на масива реално е </a:t>
+            </a:r>
+            <a:r>
+              <a:rPr lang="bg-BG" dirty="0">
+                <a:solidFill>
+                  <a:srgbClr val="92D050"/>
+                </a:solidFill>
+                <a:latin typeface="Arial" panose="020B0604020202020204" pitchFamily="34" charset="0"/>
+                <a:cs typeface="Arial" panose="020B0604020202020204" pitchFamily="34" charset="0"/>
+              </a:rPr>
+              <a:t>невъзможно</a:t>
+            </a:r>
+            <a:r>
+              <a:rPr lang="bg-BG" dirty="0">
+                <a:latin typeface="Arial" panose="020B0604020202020204" pitchFamily="34" charset="0"/>
+                <a:cs typeface="Arial" panose="020B0604020202020204" pitchFamily="34" charset="0"/>
+              </a:rPr>
+              <a:t>, но все пак може да се направи като се задели </a:t>
+            </a:r>
+            <a:r>
+              <a:rPr lang="bg-BG" dirty="0">
+                <a:solidFill>
+                  <a:srgbClr val="92D050"/>
+                </a:solidFill>
+                <a:latin typeface="Arial" panose="020B0604020202020204" pitchFamily="34" charset="0"/>
+                <a:cs typeface="Arial" panose="020B0604020202020204" pitchFamily="34" charset="0"/>
+              </a:rPr>
+              <a:t>нова памет </a:t>
+            </a:r>
+            <a:r>
+              <a:rPr lang="bg-BG" dirty="0">
+                <a:latin typeface="Arial" panose="020B0604020202020204" pitchFamily="34" charset="0"/>
+                <a:cs typeface="Arial" panose="020B0604020202020204" pitchFamily="34" charset="0"/>
+              </a:rPr>
+              <a:t>за по-голям масив, в който да се преместят елементите.</a:t>
+            </a:r>
+          </a:p>
+        </p:txBody>
+      </p:sp>
+    </p:spTree>
+    <p:extLst>
+      <p:ext uri="{BB962C8B-B14F-4D97-AF65-F5344CB8AC3E}">
+        <p14:creationId xmlns:p14="http://schemas.microsoft.com/office/powerpoint/2010/main" val="2128684182"/>
       </p:ext>
     </p:extLst>
   </p:cSld>

--- a/Linear Data Structures.pptx
+++ b/Linear Data Structures.pptx
@@ -2,7 +2,7 @@
 <file path=ppt/presentation.xml><?xml version="1.0" encoding="utf-8"?>
 <p:presentation xmlns:a="http://schemas.openxmlformats.org/drawingml/2006/main" xmlns:r="http://schemas.openxmlformats.org/officeDocument/2006/relationships" xmlns:p="http://schemas.openxmlformats.org/presentationml/2006/main" saveSubsetFonts="1">
   <p:sldMasterIdLst>
-    <p:sldMasterId id="2147483660" r:id="rId1"/>
+    <p:sldMasterId id="2147483696" r:id="rId1"/>
   </p:sldMasterIdLst>
   <p:sldIdLst>
     <p:sldId id="256" r:id="rId2"/>
@@ -11,8 +11,14 @@
     <p:sldId id="258" r:id="rId5"/>
     <p:sldId id="260" r:id="rId6"/>
     <p:sldId id="261" r:id="rId7"/>
-    <p:sldId id="262" r:id="rId8"/>
-    <p:sldId id="263" r:id="rId9"/>
+    <p:sldId id="265" r:id="rId8"/>
+    <p:sldId id="262" r:id="rId9"/>
+    <p:sldId id="263" r:id="rId10"/>
+    <p:sldId id="266" r:id="rId11"/>
+    <p:sldId id="264" r:id="rId12"/>
+    <p:sldId id="267" r:id="rId13"/>
+    <p:sldId id="268" r:id="rId14"/>
+    <p:sldId id="269" r:id="rId15"/>
   </p:sldIdLst>
   <p:sldSz cx="12192000" cy="6858000"/>
   <p:notesSz cx="6858000" cy="9144000"/>
@@ -332,7 +338,7 @@
           <a:p>
             <a:fld id="{5CFB35DB-DAC8-46D3-A03B-66B5F82307B5}" type="datetimeFigureOut">
               <a:rPr lang="bg-BG" smtClean="0"/>
-              <a:t>1.10.2023 г.</a:t>
+              <a:t>4.10.2023 г.</a:t>
             </a:fld>
             <a:endParaRPr lang="bg-BG"/>
           </a:p>
@@ -383,7 +389,7 @@
     </p:spTree>
     <p:extLst>
       <p:ext uri="{BB962C8B-B14F-4D97-AF65-F5344CB8AC3E}">
-        <p14:creationId xmlns:p14="http://schemas.microsoft.com/office/powerpoint/2010/main" val="307408861"/>
+        <p14:creationId xmlns:p14="http://schemas.microsoft.com/office/powerpoint/2010/main" val="3685756880"/>
       </p:ext>
     </p:extLst>
   </p:cSld>
@@ -623,7 +629,7 @@
           <a:p>
             <a:fld id="{5CFB35DB-DAC8-46D3-A03B-66B5F82307B5}" type="datetimeFigureOut">
               <a:rPr lang="bg-BG" smtClean="0"/>
-              <a:t>1.10.2023 г.</a:t>
+              <a:t>4.10.2023 г.</a:t>
             </a:fld>
             <a:endParaRPr lang="bg-BG"/>
           </a:p>
@@ -674,7 +680,7 @@
     </p:spTree>
     <p:extLst>
       <p:ext uri="{BB962C8B-B14F-4D97-AF65-F5344CB8AC3E}">
-        <p14:creationId xmlns:p14="http://schemas.microsoft.com/office/powerpoint/2010/main" val="1705812373"/>
+        <p14:creationId xmlns:p14="http://schemas.microsoft.com/office/powerpoint/2010/main" val="2499491954"/>
       </p:ext>
     </p:extLst>
   </p:cSld>
@@ -882,7 +888,7 @@
           <a:p>
             <a:fld id="{5CFB35DB-DAC8-46D3-A03B-66B5F82307B5}" type="datetimeFigureOut">
               <a:rPr lang="bg-BG" smtClean="0"/>
-              <a:t>1.10.2023 г.</a:t>
+              <a:t>4.10.2023 г.</a:t>
             </a:fld>
             <a:endParaRPr lang="bg-BG"/>
           </a:p>
@@ -933,7 +939,7 @@
     </p:spTree>
     <p:extLst>
       <p:ext uri="{BB962C8B-B14F-4D97-AF65-F5344CB8AC3E}">
-        <p14:creationId xmlns:p14="http://schemas.microsoft.com/office/powerpoint/2010/main" val="335198739"/>
+        <p14:creationId xmlns:p14="http://schemas.microsoft.com/office/powerpoint/2010/main" val="1324806669"/>
       </p:ext>
     </p:extLst>
   </p:cSld>
@@ -1351,7 +1357,7 @@
           <a:p>
             <a:fld id="{5CFB35DB-DAC8-46D3-A03B-66B5F82307B5}" type="datetimeFigureOut">
               <a:rPr lang="bg-BG" smtClean="0"/>
-              <a:t>1.10.2023 г.</a:t>
+              <a:t>4.10.2023 г.</a:t>
             </a:fld>
             <a:endParaRPr lang="bg-BG"/>
           </a:p>
@@ -1402,7 +1408,7 @@
     </p:spTree>
     <p:extLst>
       <p:ext uri="{BB962C8B-B14F-4D97-AF65-F5344CB8AC3E}">
-        <p14:creationId xmlns:p14="http://schemas.microsoft.com/office/powerpoint/2010/main" val="1547915669"/>
+        <p14:creationId xmlns:p14="http://schemas.microsoft.com/office/powerpoint/2010/main" val="757077420"/>
       </p:ext>
     </p:extLst>
   </p:cSld>
@@ -1531,7 +1537,7 @@
           <a:p>
             <a:fld id="{5CFB35DB-DAC8-46D3-A03B-66B5F82307B5}" type="datetimeFigureOut">
               <a:rPr lang="bg-BG" smtClean="0"/>
-              <a:t>1.10.2023 г.</a:t>
+              <a:t>4.10.2023 г.</a:t>
             </a:fld>
             <a:endParaRPr lang="bg-BG"/>
           </a:p>
@@ -1582,7 +1588,7 @@
     </p:spTree>
     <p:extLst>
       <p:ext uri="{BB962C8B-B14F-4D97-AF65-F5344CB8AC3E}">
-        <p14:creationId xmlns:p14="http://schemas.microsoft.com/office/powerpoint/2010/main" val="938041468"/>
+        <p14:creationId xmlns:p14="http://schemas.microsoft.com/office/powerpoint/2010/main" val="823691910"/>
       </p:ext>
     </p:extLst>
   </p:cSld>
@@ -2107,7 +2113,7 @@
           <a:p>
             <a:fld id="{5CFB35DB-DAC8-46D3-A03B-66B5F82307B5}" type="datetimeFigureOut">
               <a:rPr lang="bg-BG" smtClean="0"/>
-              <a:t>1.10.2023 г.</a:t>
+              <a:t>4.10.2023 г.</a:t>
             </a:fld>
             <a:endParaRPr lang="bg-BG"/>
           </a:p>
@@ -2158,7 +2164,7 @@
     </p:spTree>
     <p:extLst>
       <p:ext uri="{BB962C8B-B14F-4D97-AF65-F5344CB8AC3E}">
-        <p14:creationId xmlns:p14="http://schemas.microsoft.com/office/powerpoint/2010/main" val="2550916433"/>
+        <p14:creationId xmlns:p14="http://schemas.microsoft.com/office/powerpoint/2010/main" val="784509943"/>
       </p:ext>
     </p:extLst>
   </p:cSld>
@@ -2439,7 +2445,7 @@
           <a:p>
             <a:fld id="{5CFB35DB-DAC8-46D3-A03B-66B5F82307B5}" type="datetimeFigureOut">
               <a:rPr lang="bg-BG" smtClean="0"/>
-              <a:t>1.10.2023 г.</a:t>
+              <a:t>4.10.2023 г.</a:t>
             </a:fld>
             <a:endParaRPr lang="bg-BG"/>
           </a:p>
@@ -2490,7 +2496,7 @@
     </p:spTree>
     <p:extLst>
       <p:ext uri="{BB962C8B-B14F-4D97-AF65-F5344CB8AC3E}">
-        <p14:creationId xmlns:p14="http://schemas.microsoft.com/office/powerpoint/2010/main" val="335862294"/>
+        <p14:creationId xmlns:p14="http://schemas.microsoft.com/office/powerpoint/2010/main" val="2718281357"/>
       </p:ext>
     </p:extLst>
   </p:cSld>
@@ -2614,7 +2620,7 @@
           <a:p>
             <a:fld id="{5CFB35DB-DAC8-46D3-A03B-66B5F82307B5}" type="datetimeFigureOut">
               <a:rPr lang="bg-BG" smtClean="0"/>
-              <a:t>1.10.2023 г.</a:t>
+              <a:t>4.10.2023 г.</a:t>
             </a:fld>
             <a:endParaRPr lang="bg-BG"/>
           </a:p>
@@ -2665,7 +2671,7 @@
     </p:spTree>
     <p:extLst>
       <p:ext uri="{BB962C8B-B14F-4D97-AF65-F5344CB8AC3E}">
-        <p14:creationId xmlns:p14="http://schemas.microsoft.com/office/powerpoint/2010/main" val="2535940256"/>
+        <p14:creationId xmlns:p14="http://schemas.microsoft.com/office/powerpoint/2010/main" val="108523475"/>
       </p:ext>
     </p:extLst>
   </p:cSld>
@@ -2794,7 +2800,7 @@
           <a:p>
             <a:fld id="{5CFB35DB-DAC8-46D3-A03B-66B5F82307B5}" type="datetimeFigureOut">
               <a:rPr lang="bg-BG" smtClean="0"/>
-              <a:t>1.10.2023 г.</a:t>
+              <a:t>4.10.2023 г.</a:t>
             </a:fld>
             <a:endParaRPr lang="bg-BG"/>
           </a:p>
@@ -2845,7 +2851,7 @@
     </p:spTree>
     <p:extLst>
       <p:ext uri="{BB962C8B-B14F-4D97-AF65-F5344CB8AC3E}">
-        <p14:creationId xmlns:p14="http://schemas.microsoft.com/office/powerpoint/2010/main" val="1434133356"/>
+        <p14:creationId xmlns:p14="http://schemas.microsoft.com/office/powerpoint/2010/main" val="1522680990"/>
       </p:ext>
     </p:extLst>
   </p:cSld>
@@ -2964,7 +2970,7 @@
           <a:p>
             <a:fld id="{5CFB35DB-DAC8-46D3-A03B-66B5F82307B5}" type="datetimeFigureOut">
               <a:rPr lang="bg-BG" smtClean="0"/>
-              <a:t>1.10.2023 г.</a:t>
+              <a:t>4.10.2023 г.</a:t>
             </a:fld>
             <a:endParaRPr lang="bg-BG"/>
           </a:p>
@@ -3015,7 +3021,7 @@
     </p:spTree>
     <p:extLst>
       <p:ext uri="{BB962C8B-B14F-4D97-AF65-F5344CB8AC3E}">
-        <p14:creationId xmlns:p14="http://schemas.microsoft.com/office/powerpoint/2010/main" val="3219547878"/>
+        <p14:creationId xmlns:p14="http://schemas.microsoft.com/office/powerpoint/2010/main" val="1582783149"/>
       </p:ext>
     </p:extLst>
   </p:cSld>
@@ -3221,7 +3227,7 @@
           <a:p>
             <a:fld id="{5CFB35DB-DAC8-46D3-A03B-66B5F82307B5}" type="datetimeFigureOut">
               <a:rPr lang="bg-BG" smtClean="0"/>
-              <a:t>1.10.2023 г.</a:t>
+              <a:t>4.10.2023 г.</a:t>
             </a:fld>
             <a:endParaRPr lang="bg-BG"/>
           </a:p>
@@ -3272,7 +3278,7 @@
     </p:spTree>
     <p:extLst>
       <p:ext uri="{BB962C8B-B14F-4D97-AF65-F5344CB8AC3E}">
-        <p14:creationId xmlns:p14="http://schemas.microsoft.com/office/powerpoint/2010/main" val="1135248822"/>
+        <p14:creationId xmlns:p14="http://schemas.microsoft.com/office/powerpoint/2010/main" val="621520363"/>
       </p:ext>
     </p:extLst>
   </p:cSld>
@@ -3513,7 +3519,7 @@
           <a:p>
             <a:fld id="{5CFB35DB-DAC8-46D3-A03B-66B5F82307B5}" type="datetimeFigureOut">
               <a:rPr lang="bg-BG" smtClean="0"/>
-              <a:t>1.10.2023 г.</a:t>
+              <a:t>4.10.2023 г.</a:t>
             </a:fld>
             <a:endParaRPr lang="bg-BG"/>
           </a:p>
@@ -3564,7 +3570,7 @@
     </p:spTree>
     <p:extLst>
       <p:ext uri="{BB962C8B-B14F-4D97-AF65-F5344CB8AC3E}">
-        <p14:creationId xmlns:p14="http://schemas.microsoft.com/office/powerpoint/2010/main" val="2233670448"/>
+        <p14:creationId xmlns:p14="http://schemas.microsoft.com/office/powerpoint/2010/main" val="1216765983"/>
       </p:ext>
     </p:extLst>
   </p:cSld>
@@ -3943,7 +3949,7 @@
           <a:p>
             <a:fld id="{5CFB35DB-DAC8-46D3-A03B-66B5F82307B5}" type="datetimeFigureOut">
               <a:rPr lang="bg-BG" smtClean="0"/>
-              <a:t>1.10.2023 г.</a:t>
+              <a:t>4.10.2023 г.</a:t>
             </a:fld>
             <a:endParaRPr lang="bg-BG"/>
           </a:p>
@@ -3994,7 +4000,7 @@
     </p:spTree>
     <p:extLst>
       <p:ext uri="{BB962C8B-B14F-4D97-AF65-F5344CB8AC3E}">
-        <p14:creationId xmlns:p14="http://schemas.microsoft.com/office/powerpoint/2010/main" val="748420524"/>
+        <p14:creationId xmlns:p14="http://schemas.microsoft.com/office/powerpoint/2010/main" val="687851898"/>
       </p:ext>
     </p:extLst>
   </p:cSld>
@@ -4061,7 +4067,7 @@
           <a:p>
             <a:fld id="{5CFB35DB-DAC8-46D3-A03B-66B5F82307B5}" type="datetimeFigureOut">
               <a:rPr lang="bg-BG" smtClean="0"/>
-              <a:t>1.10.2023 г.</a:t>
+              <a:t>4.10.2023 г.</a:t>
             </a:fld>
             <a:endParaRPr lang="bg-BG"/>
           </a:p>
@@ -4112,7 +4118,7 @@
     </p:spTree>
     <p:extLst>
       <p:ext uri="{BB962C8B-B14F-4D97-AF65-F5344CB8AC3E}">
-        <p14:creationId xmlns:p14="http://schemas.microsoft.com/office/powerpoint/2010/main" val="3255226874"/>
+        <p14:creationId xmlns:p14="http://schemas.microsoft.com/office/powerpoint/2010/main" val="1567369492"/>
       </p:ext>
     </p:extLst>
   </p:cSld>
@@ -4156,7 +4162,7 @@
           <a:p>
             <a:fld id="{5CFB35DB-DAC8-46D3-A03B-66B5F82307B5}" type="datetimeFigureOut">
               <a:rPr lang="bg-BG" smtClean="0"/>
-              <a:t>1.10.2023 г.</a:t>
+              <a:t>4.10.2023 г.</a:t>
             </a:fld>
             <a:endParaRPr lang="bg-BG"/>
           </a:p>
@@ -4207,7 +4213,7 @@
     </p:spTree>
     <p:extLst>
       <p:ext uri="{BB962C8B-B14F-4D97-AF65-F5344CB8AC3E}">
-        <p14:creationId xmlns:p14="http://schemas.microsoft.com/office/powerpoint/2010/main" val="3602084059"/>
+        <p14:creationId xmlns:p14="http://schemas.microsoft.com/office/powerpoint/2010/main" val="204075172"/>
       </p:ext>
     </p:extLst>
   </p:cSld>
@@ -4439,7 +4445,7 @@
           <a:p>
             <a:fld id="{5CFB35DB-DAC8-46D3-A03B-66B5F82307B5}" type="datetimeFigureOut">
               <a:rPr lang="bg-BG" smtClean="0"/>
-              <a:t>1.10.2023 г.</a:t>
+              <a:t>4.10.2023 г.</a:t>
             </a:fld>
             <a:endParaRPr lang="bg-BG"/>
           </a:p>
@@ -4490,7 +4496,7 @@
     </p:spTree>
     <p:extLst>
       <p:ext uri="{BB962C8B-B14F-4D97-AF65-F5344CB8AC3E}">
-        <p14:creationId xmlns:p14="http://schemas.microsoft.com/office/powerpoint/2010/main" val="576814735"/>
+        <p14:creationId xmlns:p14="http://schemas.microsoft.com/office/powerpoint/2010/main" val="4012141698"/>
       </p:ext>
     </p:extLst>
   </p:cSld>
@@ -4730,7 +4736,7 @@
           <a:p>
             <a:fld id="{5CFB35DB-DAC8-46D3-A03B-66B5F82307B5}" type="datetimeFigureOut">
               <a:rPr lang="bg-BG" smtClean="0"/>
-              <a:t>1.10.2023 г.</a:t>
+              <a:t>4.10.2023 г.</a:t>
             </a:fld>
             <a:endParaRPr lang="bg-BG"/>
           </a:p>
@@ -4791,7 +4797,7 @@
     </p:spTree>
     <p:extLst>
       <p:ext uri="{BB962C8B-B14F-4D97-AF65-F5344CB8AC3E}">
-        <p14:creationId xmlns:p14="http://schemas.microsoft.com/office/powerpoint/2010/main" val="264364494"/>
+        <p14:creationId xmlns:p14="http://schemas.microsoft.com/office/powerpoint/2010/main" val="1845656184"/>
       </p:ext>
     </p:extLst>
   </p:cSld>
@@ -4961,7 +4967,7 @@
           <a:p>
             <a:fld id="{5CFB35DB-DAC8-46D3-A03B-66B5F82307B5}" type="datetimeFigureOut">
               <a:rPr lang="bg-BG" smtClean="0"/>
-              <a:t>1.10.2023 г.</a:t>
+              <a:t>4.10.2023 г.</a:t>
             </a:fld>
             <a:endParaRPr lang="bg-BG"/>
           </a:p>
@@ -5064,29 +5070,29 @@
     </p:spTree>
     <p:extLst>
       <p:ext uri="{BB962C8B-B14F-4D97-AF65-F5344CB8AC3E}">
-        <p14:creationId xmlns:p14="http://schemas.microsoft.com/office/powerpoint/2010/main" val="4246388128"/>
+        <p14:creationId xmlns:p14="http://schemas.microsoft.com/office/powerpoint/2010/main" val="3490031253"/>
       </p:ext>
     </p:extLst>
   </p:cSld>
   <p:clrMap bg1="dk1" tx1="lt1" bg2="dk2" tx2="lt2" accent1="accent1" accent2="accent2" accent3="accent3" accent4="accent4" accent5="accent5" accent6="accent6" hlink="hlink" folHlink="folHlink"/>
   <p:sldLayoutIdLst>
-    <p:sldLayoutId id="2147483661" r:id="rId1"/>
-    <p:sldLayoutId id="2147483662" r:id="rId2"/>
-    <p:sldLayoutId id="2147483663" r:id="rId3"/>
-    <p:sldLayoutId id="2147483664" r:id="rId4"/>
-    <p:sldLayoutId id="2147483665" r:id="rId5"/>
-    <p:sldLayoutId id="2147483666" r:id="rId6"/>
-    <p:sldLayoutId id="2147483667" r:id="rId7"/>
-    <p:sldLayoutId id="2147483668" r:id="rId8"/>
-    <p:sldLayoutId id="2147483669" r:id="rId9"/>
-    <p:sldLayoutId id="2147483670" r:id="rId10"/>
-    <p:sldLayoutId id="2147483671" r:id="rId11"/>
-    <p:sldLayoutId id="2147483672" r:id="rId12"/>
-    <p:sldLayoutId id="2147483673" r:id="rId13"/>
-    <p:sldLayoutId id="2147483674" r:id="rId14"/>
-    <p:sldLayoutId id="2147483675" r:id="rId15"/>
-    <p:sldLayoutId id="2147483676" r:id="rId16"/>
-    <p:sldLayoutId id="2147483677" r:id="rId17"/>
+    <p:sldLayoutId id="2147483697" r:id="rId1"/>
+    <p:sldLayoutId id="2147483698" r:id="rId2"/>
+    <p:sldLayoutId id="2147483699" r:id="rId3"/>
+    <p:sldLayoutId id="2147483700" r:id="rId4"/>
+    <p:sldLayoutId id="2147483701" r:id="rId5"/>
+    <p:sldLayoutId id="2147483702" r:id="rId6"/>
+    <p:sldLayoutId id="2147483703" r:id="rId7"/>
+    <p:sldLayoutId id="2147483704" r:id="rId8"/>
+    <p:sldLayoutId id="2147483705" r:id="rId9"/>
+    <p:sldLayoutId id="2147483706" r:id="rId10"/>
+    <p:sldLayoutId id="2147483707" r:id="rId11"/>
+    <p:sldLayoutId id="2147483708" r:id="rId12"/>
+    <p:sldLayoutId id="2147483709" r:id="rId13"/>
+    <p:sldLayoutId id="2147483710" r:id="rId14"/>
+    <p:sldLayoutId id="2147483711" r:id="rId15"/>
+    <p:sldLayoutId id="2147483712" r:id="rId16"/>
+    <p:sldLayoutId id="2147483713" r:id="rId17"/>
   </p:sldLayoutIdLst>
   <p:txStyles>
     <p:titleStyle>
@@ -5845,6 +5851,981 @@
 </p:sld>
 </file>
 
+<file path=ppt/slides/slide10.xml><?xml version="1.0" encoding="utf-8"?>
+<p:sld xmlns:a="http://schemas.openxmlformats.org/drawingml/2006/main" xmlns:r="http://schemas.openxmlformats.org/officeDocument/2006/relationships" xmlns:p="http://schemas.openxmlformats.org/presentationml/2006/main">
+  <p:cSld>
+    <p:spTree>
+      <p:nvGrpSpPr>
+        <p:cNvPr id="1" name=""/>
+        <p:cNvGrpSpPr/>
+        <p:nvPr/>
+      </p:nvGrpSpPr>
+      <p:grpSpPr>
+        <a:xfrm>
+          <a:off x="0" y="0"/>
+          <a:ext cx="0" cy="0"/>
+          <a:chOff x="0" y="0"/>
+          <a:chExt cx="0" cy="0"/>
+        </a:xfrm>
+      </p:grpSpPr>
+      <p:sp>
+        <p:nvSpPr>
+          <p:cNvPr id="2" name="Title 1">
+            <a:extLst>
+              <a:ext uri="{FF2B5EF4-FFF2-40B4-BE49-F238E27FC236}">
+                <a16:creationId xmlns:a16="http://schemas.microsoft.com/office/drawing/2014/main" id="{53EFAE48-7230-6382-45AC-BC84E97A4BB5}"/>
+              </a:ext>
+            </a:extLst>
+          </p:cNvPr>
+          <p:cNvSpPr>
+            <a:spLocks noGrp="1"/>
+          </p:cNvSpPr>
+          <p:nvPr>
+            <p:ph type="title"/>
+          </p:nvPr>
+        </p:nvSpPr>
+        <p:spPr>
+          <a:xfrm>
+            <a:off x="1141413" y="609600"/>
+            <a:ext cx="9905998" cy="864973"/>
+          </a:xfrm>
+        </p:spPr>
+        <p:txBody>
+          <a:bodyPr>
+            <a:normAutofit fontScale="90000"/>
+          </a:bodyPr>
+          <a:lstStyle/>
+          <a:p>
+            <a:pPr algn="ctr"/>
+            <a:r>
+              <a:rPr lang="bg-BG" dirty="0">
+                <a:latin typeface="Arial" panose="020B0604020202020204" pitchFamily="34" charset="0"/>
+                <a:cs typeface="Arial" panose="020B0604020202020204" pitchFamily="34" charset="0"/>
+              </a:rPr>
+              <a:t>Копиране на елементи от един масив в друг</a:t>
+            </a:r>
+          </a:p>
+        </p:txBody>
+      </p:sp>
+      <p:pic>
+        <p:nvPicPr>
+          <p:cNvPr id="5" name="Content Placeholder 4" descr="A computer screen shot of a program&#10;&#10;Description automatically generated">
+            <a:extLst>
+              <a:ext uri="{FF2B5EF4-FFF2-40B4-BE49-F238E27FC236}">
+                <a16:creationId xmlns:a16="http://schemas.microsoft.com/office/drawing/2014/main" id="{7007CB5E-291F-FDFF-3536-C2940DB3D373}"/>
+              </a:ext>
+            </a:extLst>
+          </p:cNvPr>
+          <p:cNvPicPr>
+            <a:picLocks noGrp="1" noChangeAspect="1"/>
+          </p:cNvPicPr>
+          <p:nvPr>
+            <p:ph idx="1"/>
+          </p:nvPr>
+        </p:nvPicPr>
+        <p:blipFill>
+          <a:blip r:embed="rId2">
+            <a:extLst>
+              <a:ext uri="{28A0092B-C50C-407E-A947-70E740481C1C}">
+                <a14:useLocalDpi xmlns:a14="http://schemas.microsoft.com/office/drawing/2010/main" val="0"/>
+              </a:ext>
+            </a:extLst>
+          </a:blip>
+          <a:stretch>
+            <a:fillRect/>
+          </a:stretch>
+        </p:blipFill>
+        <p:spPr>
+          <a:xfrm>
+            <a:off x="2139556" y="1688757"/>
+            <a:ext cx="7547814" cy="4768419"/>
+          </a:xfrm>
+        </p:spPr>
+      </p:pic>
+    </p:spTree>
+    <p:extLst>
+      <p:ext uri="{BB962C8B-B14F-4D97-AF65-F5344CB8AC3E}">
+        <p14:creationId xmlns:p14="http://schemas.microsoft.com/office/powerpoint/2010/main" val="2543080379"/>
+      </p:ext>
+    </p:extLst>
+  </p:cSld>
+  <p:clrMapOvr>
+    <a:masterClrMapping/>
+  </p:clrMapOvr>
+</p:sld>
+</file>
+
+<file path=ppt/slides/slide11.xml><?xml version="1.0" encoding="utf-8"?>
+<p:sld xmlns:a="http://schemas.openxmlformats.org/drawingml/2006/main" xmlns:r="http://schemas.openxmlformats.org/officeDocument/2006/relationships" xmlns:p="http://schemas.openxmlformats.org/presentationml/2006/main">
+  <p:cSld>
+    <p:spTree>
+      <p:nvGrpSpPr>
+        <p:cNvPr id="1" name=""/>
+        <p:cNvGrpSpPr/>
+        <p:nvPr/>
+      </p:nvGrpSpPr>
+      <p:grpSpPr>
+        <a:xfrm>
+          <a:off x="0" y="0"/>
+          <a:ext cx="0" cy="0"/>
+          <a:chOff x="0" y="0"/>
+          <a:chExt cx="0" cy="0"/>
+        </a:xfrm>
+      </p:grpSpPr>
+      <p:sp>
+        <p:nvSpPr>
+          <p:cNvPr id="2" name="Title 1">
+            <a:extLst>
+              <a:ext uri="{FF2B5EF4-FFF2-40B4-BE49-F238E27FC236}">
+                <a16:creationId xmlns:a16="http://schemas.microsoft.com/office/drawing/2014/main" id="{4E5CCBF4-8E91-305B-F126-A270DE1B8F71}"/>
+              </a:ext>
+            </a:extLst>
+          </p:cNvPr>
+          <p:cNvSpPr>
+            <a:spLocks noGrp="1"/>
+          </p:cNvSpPr>
+          <p:nvPr>
+            <p:ph type="title"/>
+          </p:nvPr>
+        </p:nvSpPr>
+        <p:spPr>
+          <a:xfrm>
+            <a:off x="1141413" y="609600"/>
+            <a:ext cx="9905998" cy="1186249"/>
+          </a:xfrm>
+        </p:spPr>
+        <p:txBody>
+          <a:bodyPr/>
+          <a:lstStyle/>
+          <a:p>
+            <a:pPr algn="ctr"/>
+            <a:r>
+              <a:rPr lang="en-US" dirty="0">
+                <a:solidFill>
+                  <a:srgbClr val="92D050"/>
+                </a:solidFill>
+                <a:latin typeface="Arial" panose="020B0604020202020204" pitchFamily="34" charset="0"/>
+                <a:cs typeface="Arial" panose="020B0604020202020204" pitchFamily="34" charset="0"/>
+              </a:rPr>
+              <a:t>LIST</a:t>
+            </a:r>
+            <a:r>
+              <a:rPr lang="en-US" dirty="0">
+                <a:latin typeface="Arial" panose="020B0604020202020204" pitchFamily="34" charset="0"/>
+                <a:cs typeface="Arial" panose="020B0604020202020204" pitchFamily="34" charset="0"/>
+              </a:rPr>
+              <a:t> ADT </a:t>
+            </a:r>
+            <a:r>
+              <a:rPr lang="bg-BG" dirty="0">
+                <a:latin typeface="Arial" panose="020B0604020202020204" pitchFamily="34" charset="0"/>
+                <a:cs typeface="Arial" panose="020B0604020202020204" pitchFamily="34" charset="0"/>
+              </a:rPr>
+              <a:t>КАТО </a:t>
+            </a:r>
+            <a:r>
+              <a:rPr lang="bg-BG" dirty="0">
+                <a:solidFill>
+                  <a:srgbClr val="92D050"/>
+                </a:solidFill>
+                <a:latin typeface="Arial" panose="020B0604020202020204" pitchFamily="34" charset="0"/>
+                <a:cs typeface="Arial" panose="020B0604020202020204" pitchFamily="34" charset="0"/>
+              </a:rPr>
+              <a:t>ДИНАМИЧЕН МАСИВ</a:t>
+            </a:r>
+          </a:p>
+        </p:txBody>
+      </p:sp>
+      <p:sp>
+        <p:nvSpPr>
+          <p:cNvPr id="3" name="Content Placeholder 2">
+            <a:extLst>
+              <a:ext uri="{FF2B5EF4-FFF2-40B4-BE49-F238E27FC236}">
+                <a16:creationId xmlns:a16="http://schemas.microsoft.com/office/drawing/2014/main" id="{735D3F45-D7C1-F50B-8C4F-5FBB7E864550}"/>
+              </a:ext>
+            </a:extLst>
+          </p:cNvPr>
+          <p:cNvSpPr>
+            <a:spLocks noGrp="1"/>
+          </p:cNvSpPr>
+          <p:nvPr>
+            <p:ph idx="1"/>
+          </p:nvPr>
+        </p:nvSpPr>
+        <p:spPr>
+          <a:xfrm>
+            <a:off x="1215553" y="1736123"/>
+            <a:ext cx="9905998" cy="1692877"/>
+          </a:xfrm>
+        </p:spPr>
+        <p:txBody>
+          <a:bodyPr/>
+          <a:lstStyle/>
+          <a:p>
+            <a:r>
+              <a:rPr lang="en-US" dirty="0">
+                <a:solidFill>
+                  <a:srgbClr val="92D050"/>
+                </a:solidFill>
+                <a:latin typeface="Arial" panose="020B0604020202020204" pitchFamily="34" charset="0"/>
+                <a:cs typeface="Arial" panose="020B0604020202020204" pitchFamily="34" charset="0"/>
+              </a:rPr>
+              <a:t>List</a:t>
+            </a:r>
+            <a:r>
+              <a:rPr lang="en-US" dirty="0">
+                <a:latin typeface="Arial" panose="020B0604020202020204" pitchFamily="34" charset="0"/>
+                <a:cs typeface="Arial" panose="020B0604020202020204" pitchFamily="34" charset="0"/>
+              </a:rPr>
+              <a:t> </a:t>
+            </a:r>
+            <a:r>
+              <a:rPr lang="en-US" dirty="0">
+                <a:solidFill>
+                  <a:srgbClr val="92D050"/>
+                </a:solidFill>
+                <a:latin typeface="Arial" panose="020B0604020202020204" pitchFamily="34" charset="0"/>
+                <a:cs typeface="Arial" panose="020B0604020202020204" pitchFamily="34" charset="0"/>
+              </a:rPr>
+              <a:t>ADT</a:t>
+            </a:r>
+            <a:r>
+              <a:rPr lang="en-US" dirty="0">
+                <a:latin typeface="Arial" panose="020B0604020202020204" pitchFamily="34" charset="0"/>
+                <a:cs typeface="Arial" panose="020B0604020202020204" pitchFamily="34" charset="0"/>
+              </a:rPr>
+              <a:t> </a:t>
+            </a:r>
+            <a:r>
+              <a:rPr lang="bg-BG" dirty="0">
+                <a:latin typeface="Arial" panose="020B0604020202020204" pitchFamily="34" charset="0"/>
+                <a:cs typeface="Arial" panose="020B0604020202020204" pitchFamily="34" charset="0"/>
+              </a:rPr>
+              <a:t>може да бъде имплементиран и чрез </a:t>
+            </a:r>
+            <a:r>
+              <a:rPr lang="bg-BG" dirty="0">
+                <a:solidFill>
+                  <a:srgbClr val="92D050"/>
+                </a:solidFill>
+                <a:latin typeface="Arial" panose="020B0604020202020204" pitchFamily="34" charset="0"/>
+                <a:cs typeface="Arial" panose="020B0604020202020204" pitchFamily="34" charset="0"/>
+              </a:rPr>
+              <a:t>динамичен</a:t>
+            </a:r>
+            <a:r>
+              <a:rPr lang="bg-BG" dirty="0">
+                <a:latin typeface="Arial" panose="020B0604020202020204" pitchFamily="34" charset="0"/>
+                <a:cs typeface="Arial" panose="020B0604020202020204" pitchFamily="34" charset="0"/>
+              </a:rPr>
+              <a:t> </a:t>
+            </a:r>
+            <a:r>
+              <a:rPr lang="bg-BG" dirty="0">
+                <a:solidFill>
+                  <a:srgbClr val="92D050"/>
+                </a:solidFill>
+                <a:latin typeface="Arial" panose="020B0604020202020204" pitchFamily="34" charset="0"/>
+                <a:cs typeface="Arial" panose="020B0604020202020204" pitchFamily="34" charset="0"/>
+              </a:rPr>
+              <a:t>масив</a:t>
+            </a:r>
+            <a:r>
+              <a:rPr lang="bg-BG" dirty="0">
+                <a:latin typeface="Arial" panose="020B0604020202020204" pitchFamily="34" charset="0"/>
+                <a:cs typeface="Arial" panose="020B0604020202020204" pitchFamily="34" charset="0"/>
+              </a:rPr>
+              <a:t>, т.е. масив, който може да променя размера си, когато се налага да се вкарат повече елементи отколкото може към момента</a:t>
+            </a:r>
+            <a:r>
+              <a:rPr lang="en-US" dirty="0">
+                <a:latin typeface="Arial" panose="020B0604020202020204" pitchFamily="34" charset="0"/>
+                <a:cs typeface="Arial" panose="020B0604020202020204" pitchFamily="34" charset="0"/>
+              </a:rPr>
+              <a:t>. </a:t>
+            </a:r>
+            <a:r>
+              <a:rPr lang="bg-BG" dirty="0">
+                <a:latin typeface="Arial" panose="020B0604020202020204" pitchFamily="34" charset="0"/>
+                <a:cs typeface="Arial" panose="020B0604020202020204" pitchFamily="34" charset="0"/>
+              </a:rPr>
+              <a:t>Елементите на масива са разположени на </a:t>
+            </a:r>
+            <a:r>
+              <a:rPr lang="bg-BG" dirty="0">
+                <a:solidFill>
+                  <a:srgbClr val="92D050"/>
+                </a:solidFill>
+                <a:latin typeface="Arial" panose="020B0604020202020204" pitchFamily="34" charset="0"/>
+                <a:cs typeface="Arial" panose="020B0604020202020204" pitchFamily="34" charset="0"/>
+              </a:rPr>
+              <a:t>съседни</a:t>
+            </a:r>
+            <a:r>
+              <a:rPr lang="bg-BG" dirty="0">
+                <a:latin typeface="Arial" panose="020B0604020202020204" pitchFamily="34" charset="0"/>
+                <a:cs typeface="Arial" panose="020B0604020202020204" pitchFamily="34" charset="0"/>
+              </a:rPr>
+              <a:t> места в </a:t>
+            </a:r>
+            <a:r>
+              <a:rPr lang="bg-BG" dirty="0">
+                <a:solidFill>
+                  <a:srgbClr val="92D050"/>
+                </a:solidFill>
+                <a:latin typeface="Arial" panose="020B0604020202020204" pitchFamily="34" charset="0"/>
+                <a:cs typeface="Arial" panose="020B0604020202020204" pitchFamily="34" charset="0"/>
+              </a:rPr>
+              <a:t>паметта</a:t>
+            </a:r>
+            <a:r>
+              <a:rPr lang="bg-BG" dirty="0">
+                <a:latin typeface="Arial" panose="020B0604020202020204" pitchFamily="34" charset="0"/>
+                <a:cs typeface="Arial" panose="020B0604020202020204" pitchFamily="34" charset="0"/>
+              </a:rPr>
+              <a:t>.</a:t>
+            </a:r>
+          </a:p>
+          <a:p>
+            <a:endParaRPr lang="bg-BG" dirty="0"/>
+          </a:p>
+        </p:txBody>
+      </p:sp>
+      <p:pic>
+        <p:nvPicPr>
+          <p:cNvPr id="5" name="Picture 4" descr="A screenshot of a computer&#10;&#10;Description automatically generated">
+            <a:extLst>
+              <a:ext uri="{FF2B5EF4-FFF2-40B4-BE49-F238E27FC236}">
+                <a16:creationId xmlns:a16="http://schemas.microsoft.com/office/drawing/2014/main" id="{C7176A33-0762-2F38-17C1-F9F180F4E313}"/>
+              </a:ext>
+            </a:extLst>
+          </p:cNvPr>
+          <p:cNvPicPr>
+            <a:picLocks noChangeAspect="1"/>
+          </p:cNvPicPr>
+          <p:nvPr/>
+        </p:nvPicPr>
+        <p:blipFill>
+          <a:blip r:embed="rId2">
+            <a:extLst>
+              <a:ext uri="{28A0092B-C50C-407E-A947-70E740481C1C}">
+                <a14:useLocalDpi xmlns:a14="http://schemas.microsoft.com/office/drawing/2010/main" val="0"/>
+              </a:ext>
+            </a:extLst>
+          </a:blip>
+          <a:stretch>
+            <a:fillRect/>
+          </a:stretch>
+        </p:blipFill>
+        <p:spPr>
+          <a:xfrm>
+            <a:off x="2768771" y="3429000"/>
+            <a:ext cx="6486525" cy="2867025"/>
+          </a:xfrm>
+          <a:prstGeom prst="rect">
+            <a:avLst/>
+          </a:prstGeom>
+        </p:spPr>
+      </p:pic>
+    </p:spTree>
+    <p:extLst>
+      <p:ext uri="{BB962C8B-B14F-4D97-AF65-F5344CB8AC3E}">
+        <p14:creationId xmlns:p14="http://schemas.microsoft.com/office/powerpoint/2010/main" val="763596626"/>
+      </p:ext>
+    </p:extLst>
+  </p:cSld>
+  <p:clrMapOvr>
+    <a:masterClrMapping/>
+  </p:clrMapOvr>
+</p:sld>
+</file>
+
+<file path=ppt/slides/slide12.xml><?xml version="1.0" encoding="utf-8"?>
+<p:sld xmlns:a="http://schemas.openxmlformats.org/drawingml/2006/main" xmlns:r="http://schemas.openxmlformats.org/officeDocument/2006/relationships" xmlns:p="http://schemas.openxmlformats.org/presentationml/2006/main">
+  <p:cSld>
+    <p:spTree>
+      <p:nvGrpSpPr>
+        <p:cNvPr id="1" name=""/>
+        <p:cNvGrpSpPr/>
+        <p:nvPr/>
+      </p:nvGrpSpPr>
+      <p:grpSpPr>
+        <a:xfrm>
+          <a:off x="0" y="0"/>
+          <a:ext cx="0" cy="0"/>
+          <a:chOff x="0" y="0"/>
+          <a:chExt cx="0" cy="0"/>
+        </a:xfrm>
+      </p:grpSpPr>
+      <p:sp>
+        <p:nvSpPr>
+          <p:cNvPr id="2" name="Title 1">
+            <a:extLst>
+              <a:ext uri="{FF2B5EF4-FFF2-40B4-BE49-F238E27FC236}">
+                <a16:creationId xmlns:a16="http://schemas.microsoft.com/office/drawing/2014/main" id="{DABBECA9-2CA4-92CF-B78F-08B624D78D88}"/>
+              </a:ext>
+            </a:extLst>
+          </p:cNvPr>
+          <p:cNvSpPr>
+            <a:spLocks noGrp="1"/>
+          </p:cNvSpPr>
+          <p:nvPr>
+            <p:ph type="title"/>
+          </p:nvPr>
+        </p:nvSpPr>
+        <p:spPr>
+          <a:xfrm>
+            <a:off x="1141413" y="609600"/>
+            <a:ext cx="9905998" cy="781455"/>
+          </a:xfrm>
+        </p:spPr>
+        <p:txBody>
+          <a:bodyPr/>
+          <a:lstStyle/>
+          <a:p>
+            <a:pPr algn="ctr"/>
+            <a:r>
+              <a:rPr lang="bg-BG" dirty="0">
+                <a:latin typeface="Arial" panose="020B0604020202020204" pitchFamily="34" charset="0"/>
+                <a:cs typeface="Arial" panose="020B0604020202020204" pitchFamily="34" charset="0"/>
+              </a:rPr>
+              <a:t>Базови операции с класът </a:t>
+            </a:r>
+            <a:r>
+              <a:rPr lang="en-US" dirty="0">
+                <a:solidFill>
+                  <a:srgbClr val="92D050"/>
+                </a:solidFill>
+                <a:latin typeface="Arial" panose="020B0604020202020204" pitchFamily="34" charset="0"/>
+                <a:cs typeface="Arial" panose="020B0604020202020204" pitchFamily="34" charset="0"/>
+              </a:rPr>
+              <a:t>List</a:t>
+            </a:r>
+            <a:r>
+              <a:rPr lang="en-US" dirty="0">
+                <a:latin typeface="Arial" panose="020B0604020202020204" pitchFamily="34" charset="0"/>
+                <a:cs typeface="Arial" panose="020B0604020202020204" pitchFamily="34" charset="0"/>
+              </a:rPr>
+              <a:t> </a:t>
+            </a:r>
+            <a:r>
+              <a:rPr lang="bg-BG" dirty="0">
+                <a:latin typeface="Arial" panose="020B0604020202020204" pitchFamily="34" charset="0"/>
+                <a:cs typeface="Arial" panose="020B0604020202020204" pitchFamily="34" charset="0"/>
+              </a:rPr>
+              <a:t>в </a:t>
+            </a:r>
+            <a:r>
+              <a:rPr lang="en-US" dirty="0">
+                <a:solidFill>
+                  <a:srgbClr val="92D050"/>
+                </a:solidFill>
+                <a:latin typeface="Arial" panose="020B0604020202020204" pitchFamily="34" charset="0"/>
+                <a:cs typeface="Arial" panose="020B0604020202020204" pitchFamily="34" charset="0"/>
+              </a:rPr>
+              <a:t>C#</a:t>
+            </a:r>
+            <a:endParaRPr lang="bg-BG" dirty="0">
+              <a:solidFill>
+                <a:srgbClr val="92D050"/>
+              </a:solidFill>
+              <a:latin typeface="Arial" panose="020B0604020202020204" pitchFamily="34" charset="0"/>
+              <a:cs typeface="Arial" panose="020B0604020202020204" pitchFamily="34" charset="0"/>
+            </a:endParaRPr>
+          </a:p>
+        </p:txBody>
+      </p:sp>
+      <p:pic>
+        <p:nvPicPr>
+          <p:cNvPr id="5" name="Content Placeholder 4" descr="A computer screen shot of a program&#10;&#10;Description automatically generated">
+            <a:extLst>
+              <a:ext uri="{FF2B5EF4-FFF2-40B4-BE49-F238E27FC236}">
+                <a16:creationId xmlns:a16="http://schemas.microsoft.com/office/drawing/2014/main" id="{D1EC552C-6932-8A4F-6C7B-B3314882A44E}"/>
+              </a:ext>
+            </a:extLst>
+          </p:cNvPr>
+          <p:cNvPicPr>
+            <a:picLocks noGrp="1" noChangeAspect="1"/>
+          </p:cNvPicPr>
+          <p:nvPr>
+            <p:ph idx="1"/>
+          </p:nvPr>
+        </p:nvPicPr>
+        <p:blipFill>
+          <a:blip r:embed="rId2">
+            <a:extLst>
+              <a:ext uri="{28A0092B-C50C-407E-A947-70E740481C1C}">
+                <a14:useLocalDpi xmlns:a14="http://schemas.microsoft.com/office/drawing/2010/main" val="0"/>
+              </a:ext>
+            </a:extLst>
+          </a:blip>
+          <a:stretch>
+            <a:fillRect/>
+          </a:stretch>
+        </p:blipFill>
+        <p:spPr>
+          <a:xfrm>
+            <a:off x="2512126" y="1550280"/>
+            <a:ext cx="7043766" cy="4931280"/>
+          </a:xfrm>
+        </p:spPr>
+      </p:pic>
+    </p:spTree>
+    <p:extLst>
+      <p:ext uri="{BB962C8B-B14F-4D97-AF65-F5344CB8AC3E}">
+        <p14:creationId xmlns:p14="http://schemas.microsoft.com/office/powerpoint/2010/main" val="1784943515"/>
+      </p:ext>
+    </p:extLst>
+  </p:cSld>
+  <p:clrMapOvr>
+    <a:masterClrMapping/>
+  </p:clrMapOvr>
+</p:sld>
+</file>
+
+<file path=ppt/slides/slide13.xml><?xml version="1.0" encoding="utf-8"?>
+<p:sld xmlns:a="http://schemas.openxmlformats.org/drawingml/2006/main" xmlns:r="http://schemas.openxmlformats.org/officeDocument/2006/relationships" xmlns:p="http://schemas.openxmlformats.org/presentationml/2006/main">
+  <p:cSld>
+    <p:spTree>
+      <p:nvGrpSpPr>
+        <p:cNvPr id="1" name=""/>
+        <p:cNvGrpSpPr/>
+        <p:nvPr/>
+      </p:nvGrpSpPr>
+      <p:grpSpPr>
+        <a:xfrm>
+          <a:off x="0" y="0"/>
+          <a:ext cx="0" cy="0"/>
+          <a:chOff x="0" y="0"/>
+          <a:chExt cx="0" cy="0"/>
+        </a:xfrm>
+      </p:grpSpPr>
+      <p:sp>
+        <p:nvSpPr>
+          <p:cNvPr id="2" name="Title 1">
+            <a:extLst>
+              <a:ext uri="{FF2B5EF4-FFF2-40B4-BE49-F238E27FC236}">
+                <a16:creationId xmlns:a16="http://schemas.microsoft.com/office/drawing/2014/main" id="{4E5CCBF4-8E91-305B-F126-A270DE1B8F71}"/>
+              </a:ext>
+            </a:extLst>
+          </p:cNvPr>
+          <p:cNvSpPr>
+            <a:spLocks noGrp="1"/>
+          </p:cNvSpPr>
+          <p:nvPr>
+            <p:ph type="title"/>
+          </p:nvPr>
+        </p:nvSpPr>
+        <p:spPr>
+          <a:xfrm>
+            <a:off x="1143001" y="313037"/>
+            <a:ext cx="9905998" cy="1186249"/>
+          </a:xfrm>
+        </p:spPr>
+        <p:txBody>
+          <a:bodyPr/>
+          <a:lstStyle/>
+          <a:p>
+            <a:pPr algn="ctr"/>
+            <a:r>
+              <a:rPr lang="en-US" dirty="0">
+                <a:solidFill>
+                  <a:srgbClr val="92D050"/>
+                </a:solidFill>
+                <a:latin typeface="Arial" panose="020B0604020202020204" pitchFamily="34" charset="0"/>
+                <a:cs typeface="Arial" panose="020B0604020202020204" pitchFamily="34" charset="0"/>
+              </a:rPr>
+              <a:t>LIST</a:t>
+            </a:r>
+            <a:r>
+              <a:rPr lang="en-US" dirty="0">
+                <a:latin typeface="Arial" panose="020B0604020202020204" pitchFamily="34" charset="0"/>
+                <a:cs typeface="Arial" panose="020B0604020202020204" pitchFamily="34" charset="0"/>
+              </a:rPr>
+              <a:t> ADT </a:t>
+            </a:r>
+            <a:r>
+              <a:rPr lang="bg-BG" dirty="0">
+                <a:latin typeface="Arial" panose="020B0604020202020204" pitchFamily="34" charset="0"/>
+                <a:cs typeface="Arial" panose="020B0604020202020204" pitchFamily="34" charset="0"/>
+              </a:rPr>
+              <a:t>КАТО </a:t>
+            </a:r>
+            <a:r>
+              <a:rPr lang="bg-BG" dirty="0">
+                <a:solidFill>
+                  <a:srgbClr val="92D050"/>
+                </a:solidFill>
+                <a:latin typeface="Arial" panose="020B0604020202020204" pitchFamily="34" charset="0"/>
+                <a:cs typeface="Arial" panose="020B0604020202020204" pitchFamily="34" charset="0"/>
+              </a:rPr>
+              <a:t>свързан списък</a:t>
+            </a:r>
+          </a:p>
+        </p:txBody>
+      </p:sp>
+      <p:sp>
+        <p:nvSpPr>
+          <p:cNvPr id="3" name="Content Placeholder 2">
+            <a:extLst>
+              <a:ext uri="{FF2B5EF4-FFF2-40B4-BE49-F238E27FC236}">
+                <a16:creationId xmlns:a16="http://schemas.microsoft.com/office/drawing/2014/main" id="{735D3F45-D7C1-F50B-8C4F-5FBB7E864550}"/>
+              </a:ext>
+            </a:extLst>
+          </p:cNvPr>
+          <p:cNvSpPr>
+            <a:spLocks noGrp="1"/>
+          </p:cNvSpPr>
+          <p:nvPr>
+            <p:ph idx="1"/>
+          </p:nvPr>
+        </p:nvSpPr>
+        <p:spPr>
+          <a:xfrm>
+            <a:off x="1215553" y="1364391"/>
+            <a:ext cx="9905998" cy="1692877"/>
+          </a:xfrm>
+        </p:spPr>
+        <p:txBody>
+          <a:bodyPr/>
+          <a:lstStyle/>
+          <a:p>
+            <a:r>
+              <a:rPr lang="en-US" dirty="0">
+                <a:solidFill>
+                  <a:srgbClr val="92D050"/>
+                </a:solidFill>
+                <a:latin typeface="Arial" panose="020B0604020202020204" pitchFamily="34" charset="0"/>
+                <a:cs typeface="Arial" panose="020B0604020202020204" pitchFamily="34" charset="0"/>
+              </a:rPr>
+              <a:t>List</a:t>
+            </a:r>
+            <a:r>
+              <a:rPr lang="en-US" dirty="0">
+                <a:latin typeface="Arial" panose="020B0604020202020204" pitchFamily="34" charset="0"/>
+                <a:cs typeface="Arial" panose="020B0604020202020204" pitchFamily="34" charset="0"/>
+              </a:rPr>
+              <a:t> </a:t>
+            </a:r>
+            <a:r>
+              <a:rPr lang="en-US" dirty="0">
+                <a:solidFill>
+                  <a:srgbClr val="92D050"/>
+                </a:solidFill>
+                <a:latin typeface="Arial" panose="020B0604020202020204" pitchFamily="34" charset="0"/>
+                <a:cs typeface="Arial" panose="020B0604020202020204" pitchFamily="34" charset="0"/>
+              </a:rPr>
+              <a:t>ADT</a:t>
+            </a:r>
+            <a:r>
+              <a:rPr lang="en-US" dirty="0">
+                <a:latin typeface="Arial" panose="020B0604020202020204" pitchFamily="34" charset="0"/>
+                <a:cs typeface="Arial" panose="020B0604020202020204" pitchFamily="34" charset="0"/>
+              </a:rPr>
+              <a:t> </a:t>
+            </a:r>
+            <a:r>
+              <a:rPr lang="bg-BG" dirty="0">
+                <a:latin typeface="Arial" panose="020B0604020202020204" pitchFamily="34" charset="0"/>
+                <a:cs typeface="Arial" panose="020B0604020202020204" pitchFamily="34" charset="0"/>
+              </a:rPr>
+              <a:t>може да бъде имплементиран и чрез </a:t>
+            </a:r>
+            <a:r>
+              <a:rPr lang="bg-BG" dirty="0">
+                <a:solidFill>
+                  <a:srgbClr val="92D050"/>
+                </a:solidFill>
+                <a:latin typeface="Arial" panose="020B0604020202020204" pitchFamily="34" charset="0"/>
+                <a:cs typeface="Arial" panose="020B0604020202020204" pitchFamily="34" charset="0"/>
+              </a:rPr>
+              <a:t>свързан списък. </a:t>
+            </a:r>
+            <a:r>
+              <a:rPr lang="bg-BG" dirty="0">
+                <a:latin typeface="Arial" panose="020B0604020202020204" pitchFamily="34" charset="0"/>
+                <a:cs typeface="Arial" panose="020B0604020202020204" pitchFamily="34" charset="0"/>
+              </a:rPr>
+              <a:t>Елементите на списъка </a:t>
+            </a:r>
+            <a:r>
+              <a:rPr lang="bg-BG" dirty="0">
+                <a:solidFill>
+                  <a:srgbClr val="FFFF00"/>
+                </a:solidFill>
+                <a:latin typeface="Arial" panose="020B0604020202020204" pitchFamily="34" charset="0"/>
+                <a:cs typeface="Arial" panose="020B0604020202020204" pitchFamily="34" charset="0"/>
+              </a:rPr>
+              <a:t>НЕ</a:t>
+            </a:r>
+            <a:r>
+              <a:rPr lang="bg-BG" dirty="0">
+                <a:latin typeface="Arial" panose="020B0604020202020204" pitchFamily="34" charset="0"/>
+                <a:cs typeface="Arial" panose="020B0604020202020204" pitchFamily="34" charset="0"/>
+              </a:rPr>
+              <a:t> са разположени на </a:t>
+            </a:r>
+            <a:r>
+              <a:rPr lang="bg-BG" dirty="0">
+                <a:solidFill>
+                  <a:schemeClr val="tx2"/>
+                </a:solidFill>
+                <a:latin typeface="Arial" panose="020B0604020202020204" pitchFamily="34" charset="0"/>
+                <a:cs typeface="Arial" panose="020B0604020202020204" pitchFamily="34" charset="0"/>
+              </a:rPr>
+              <a:t>съседни</a:t>
+            </a:r>
+            <a:r>
+              <a:rPr lang="bg-BG" dirty="0">
+                <a:latin typeface="Arial" panose="020B0604020202020204" pitchFamily="34" charset="0"/>
+                <a:cs typeface="Arial" panose="020B0604020202020204" pitchFamily="34" charset="0"/>
+              </a:rPr>
+              <a:t> места в </a:t>
+            </a:r>
+            <a:r>
+              <a:rPr lang="bg-BG" dirty="0">
+                <a:solidFill>
+                  <a:srgbClr val="92D050"/>
+                </a:solidFill>
+                <a:latin typeface="Arial" panose="020B0604020202020204" pitchFamily="34" charset="0"/>
+                <a:cs typeface="Arial" panose="020B0604020202020204" pitchFamily="34" charset="0"/>
+              </a:rPr>
+              <a:t>паметта</a:t>
+            </a:r>
+            <a:r>
+              <a:rPr lang="bg-BG" dirty="0">
+                <a:latin typeface="Arial" panose="020B0604020202020204" pitchFamily="34" charset="0"/>
+                <a:cs typeface="Arial" panose="020B0604020202020204" pitchFamily="34" charset="0"/>
+              </a:rPr>
+              <a:t>. Свързаните списъци могат да бъдат три вида: </a:t>
+            </a:r>
+            <a:r>
+              <a:rPr lang="bg-BG" dirty="0">
+                <a:solidFill>
+                  <a:srgbClr val="92D050"/>
+                </a:solidFill>
+                <a:latin typeface="Arial" panose="020B0604020202020204" pitchFamily="34" charset="0"/>
+                <a:cs typeface="Arial" panose="020B0604020202020204" pitchFamily="34" charset="0"/>
+              </a:rPr>
+              <a:t>едносвързан</a:t>
+            </a:r>
+            <a:r>
+              <a:rPr lang="bg-BG" dirty="0">
+                <a:latin typeface="Arial" panose="020B0604020202020204" pitchFamily="34" charset="0"/>
+                <a:cs typeface="Arial" panose="020B0604020202020204" pitchFamily="34" charset="0"/>
+              </a:rPr>
+              <a:t>, </a:t>
+            </a:r>
+            <a:r>
+              <a:rPr lang="bg-BG" dirty="0">
+                <a:solidFill>
+                  <a:srgbClr val="92D050"/>
+                </a:solidFill>
+                <a:latin typeface="Arial" panose="020B0604020202020204" pitchFamily="34" charset="0"/>
+                <a:cs typeface="Arial" panose="020B0604020202020204" pitchFamily="34" charset="0"/>
+              </a:rPr>
+              <a:t>двусвързан</a:t>
+            </a:r>
+            <a:r>
+              <a:rPr lang="bg-BG" dirty="0">
+                <a:latin typeface="Arial" panose="020B0604020202020204" pitchFamily="34" charset="0"/>
+                <a:cs typeface="Arial" panose="020B0604020202020204" pitchFamily="34" charset="0"/>
+              </a:rPr>
+              <a:t> и </a:t>
+            </a:r>
+            <a:r>
+              <a:rPr lang="bg-BG" dirty="0">
+                <a:solidFill>
+                  <a:srgbClr val="92D050"/>
+                </a:solidFill>
+                <a:latin typeface="Arial" panose="020B0604020202020204" pitchFamily="34" charset="0"/>
+                <a:cs typeface="Arial" panose="020B0604020202020204" pitchFamily="34" charset="0"/>
+              </a:rPr>
+              <a:t>цикличен</a:t>
+            </a:r>
+            <a:r>
+              <a:rPr lang="bg-BG" dirty="0">
+                <a:latin typeface="Arial" panose="020B0604020202020204" pitchFamily="34" charset="0"/>
+                <a:cs typeface="Arial" panose="020B0604020202020204" pitchFamily="34" charset="0"/>
+              </a:rPr>
+              <a:t>.</a:t>
+            </a:r>
+          </a:p>
+          <a:p>
+            <a:endParaRPr lang="bg-BG" dirty="0"/>
+          </a:p>
+        </p:txBody>
+      </p:sp>
+      <p:pic>
+        <p:nvPicPr>
+          <p:cNvPr id="6" name="Picture 5" descr="A screenshot of a computer&#10;&#10;Description automatically generated">
+            <a:extLst>
+              <a:ext uri="{FF2B5EF4-FFF2-40B4-BE49-F238E27FC236}">
+                <a16:creationId xmlns:a16="http://schemas.microsoft.com/office/drawing/2014/main" id="{CF96D862-4912-9115-7852-303A4CB3960C}"/>
+              </a:ext>
+            </a:extLst>
+          </p:cNvPr>
+          <p:cNvPicPr>
+            <a:picLocks noChangeAspect="1"/>
+          </p:cNvPicPr>
+          <p:nvPr/>
+        </p:nvPicPr>
+        <p:blipFill>
+          <a:blip r:embed="rId2">
+            <a:extLst>
+              <a:ext uri="{28A0092B-C50C-407E-A947-70E740481C1C}">
+                <a14:useLocalDpi xmlns:a14="http://schemas.microsoft.com/office/drawing/2010/main" val="0"/>
+              </a:ext>
+            </a:extLst>
+          </a:blip>
+          <a:stretch>
+            <a:fillRect/>
+          </a:stretch>
+        </p:blipFill>
+        <p:spPr>
+          <a:xfrm>
+            <a:off x="2282352" y="2691712"/>
+            <a:ext cx="7772400" cy="3724275"/>
+          </a:xfrm>
+          <a:prstGeom prst="rect">
+            <a:avLst/>
+          </a:prstGeom>
+        </p:spPr>
+      </p:pic>
+    </p:spTree>
+    <p:extLst>
+      <p:ext uri="{BB962C8B-B14F-4D97-AF65-F5344CB8AC3E}">
+        <p14:creationId xmlns:p14="http://schemas.microsoft.com/office/powerpoint/2010/main" val="3994741411"/>
+      </p:ext>
+    </p:extLst>
+  </p:cSld>
+  <p:clrMapOvr>
+    <a:masterClrMapping/>
+  </p:clrMapOvr>
+</p:sld>
+</file>
+
+<file path=ppt/slides/slide14.xml><?xml version="1.0" encoding="utf-8"?>
+<p:sld xmlns:a="http://schemas.openxmlformats.org/drawingml/2006/main" xmlns:r="http://schemas.openxmlformats.org/officeDocument/2006/relationships" xmlns:p="http://schemas.openxmlformats.org/presentationml/2006/main">
+  <p:cSld>
+    <p:spTree>
+      <p:nvGrpSpPr>
+        <p:cNvPr id="1" name=""/>
+        <p:cNvGrpSpPr/>
+        <p:nvPr/>
+      </p:nvGrpSpPr>
+      <p:grpSpPr>
+        <a:xfrm>
+          <a:off x="0" y="0"/>
+          <a:ext cx="0" cy="0"/>
+          <a:chOff x="0" y="0"/>
+          <a:chExt cx="0" cy="0"/>
+        </a:xfrm>
+      </p:grpSpPr>
+      <p:sp>
+        <p:nvSpPr>
+          <p:cNvPr id="2" name="Title 1">
+            <a:extLst>
+              <a:ext uri="{FF2B5EF4-FFF2-40B4-BE49-F238E27FC236}">
+                <a16:creationId xmlns:a16="http://schemas.microsoft.com/office/drawing/2014/main" id="{A3C354FA-C2FD-9CF7-9021-1BDC05F36B62}"/>
+              </a:ext>
+            </a:extLst>
+          </p:cNvPr>
+          <p:cNvSpPr>
+            <a:spLocks noGrp="1"/>
+          </p:cNvSpPr>
+          <p:nvPr>
+            <p:ph type="title"/>
+          </p:nvPr>
+        </p:nvSpPr>
+        <p:spPr/>
+        <p:txBody>
+          <a:bodyPr/>
+          <a:lstStyle/>
+          <a:p>
+            <a:pPr algn="ctr"/>
+            <a:r>
+              <a:rPr lang="bg-BG" dirty="0">
+                <a:latin typeface="Arial" panose="020B0604020202020204" pitchFamily="34" charset="0"/>
+                <a:cs typeface="Arial" panose="020B0604020202020204" pitchFamily="34" charset="0"/>
+              </a:rPr>
+              <a:t>Представяне на свързан списък в </a:t>
+            </a:r>
+            <a:r>
+              <a:rPr lang="en-US" dirty="0">
+                <a:solidFill>
+                  <a:srgbClr val="92D050"/>
+                </a:solidFill>
+                <a:latin typeface="Arial" panose="020B0604020202020204" pitchFamily="34" charset="0"/>
+                <a:cs typeface="Arial" panose="020B0604020202020204" pitchFamily="34" charset="0"/>
+              </a:rPr>
+              <a:t>ram</a:t>
+            </a:r>
+            <a:r>
+              <a:rPr lang="en-US" dirty="0">
+                <a:latin typeface="Arial" panose="020B0604020202020204" pitchFamily="34" charset="0"/>
+                <a:cs typeface="Arial" panose="020B0604020202020204" pitchFamily="34" charset="0"/>
+              </a:rPr>
+              <a:t> </a:t>
+            </a:r>
+            <a:r>
+              <a:rPr lang="bg-BG" dirty="0">
+                <a:latin typeface="Arial" panose="020B0604020202020204" pitchFamily="34" charset="0"/>
+                <a:cs typeface="Arial" panose="020B0604020202020204" pitchFamily="34" charset="0"/>
+              </a:rPr>
+              <a:t>ПАМЕТТА</a:t>
+            </a:r>
+          </a:p>
+        </p:txBody>
+      </p:sp>
+      <p:pic>
+        <p:nvPicPr>
+          <p:cNvPr id="5" name="Content Placeholder 4" descr="A screenshot of a memory game&#10;&#10;Description automatically generated">
+            <a:extLst>
+              <a:ext uri="{FF2B5EF4-FFF2-40B4-BE49-F238E27FC236}">
+                <a16:creationId xmlns:a16="http://schemas.microsoft.com/office/drawing/2014/main" id="{58A78A02-8F8F-F381-8C2B-756FD5188DC0}"/>
+              </a:ext>
+            </a:extLst>
+          </p:cNvPr>
+          <p:cNvPicPr>
+            <a:picLocks noGrp="1" noChangeAspect="1"/>
+          </p:cNvPicPr>
+          <p:nvPr>
+            <p:ph idx="1"/>
+          </p:nvPr>
+        </p:nvPicPr>
+        <p:blipFill>
+          <a:blip r:embed="rId2">
+            <a:extLst>
+              <a:ext uri="{28A0092B-C50C-407E-A947-70E740481C1C}">
+                <a14:useLocalDpi xmlns:a14="http://schemas.microsoft.com/office/drawing/2010/main" val="0"/>
+              </a:ext>
+            </a:extLst>
+          </a:blip>
+          <a:stretch>
+            <a:fillRect/>
+          </a:stretch>
+        </p:blipFill>
+        <p:spPr>
+          <a:xfrm>
+            <a:off x="3468131" y="2647306"/>
+            <a:ext cx="5087980" cy="3819157"/>
+          </a:xfrm>
+        </p:spPr>
+      </p:pic>
+    </p:spTree>
+    <p:extLst>
+      <p:ext uri="{BB962C8B-B14F-4D97-AF65-F5344CB8AC3E}">
+        <p14:creationId xmlns:p14="http://schemas.microsoft.com/office/powerpoint/2010/main" val="1250323200"/>
+      </p:ext>
+    </p:extLst>
+  </p:cSld>
+  <p:clrMapOvr>
+    <a:masterClrMapping/>
+  </p:clrMapOvr>
+</p:sld>
+</file>
+
 <file path=ppt/slides/slide2.xml><?xml version="1.0" encoding="utf-8"?>
 <p:sld xmlns:a="http://schemas.openxmlformats.org/drawingml/2006/main" xmlns:r="http://schemas.openxmlformats.org/officeDocument/2006/relationships" xmlns:p="http://schemas.openxmlformats.org/presentationml/2006/main">
   <p:cSld>
@@ -6045,8 +7026,8 @@
         </p:blipFill>
         <p:spPr>
           <a:xfrm>
-            <a:off x="2901134" y="4464931"/>
-            <a:ext cx="6867525" cy="1533525"/>
+            <a:off x="502508" y="4896758"/>
+            <a:ext cx="5387547" cy="1351642"/>
           </a:xfrm>
           <a:prstGeom prst="rect">
             <a:avLst/>
@@ -6067,7 +7048,7 @@
         </p:nvSpPr>
         <p:spPr>
           <a:xfrm>
-            <a:off x="3847069" y="4464599"/>
+            <a:off x="1252151" y="4876846"/>
             <a:ext cx="1375719" cy="369332"/>
           </a:xfrm>
           <a:prstGeom prst="rect">
@@ -6109,7 +7090,7 @@
         </p:nvSpPr>
         <p:spPr>
           <a:xfrm>
-            <a:off x="7459360" y="3868018"/>
+            <a:off x="4063058" y="4332804"/>
             <a:ext cx="1375719" cy="369332"/>
           </a:xfrm>
           <a:prstGeom prst="rect">
@@ -6129,6 +7110,162 @@
                 <a:cs typeface="Arial" panose="020B0604020202020204" pitchFamily="34" charset="0"/>
               </a:rPr>
               <a:t>Linked List</a:t>
+            </a:r>
+            <a:endParaRPr lang="bg-BG" dirty="0">
+              <a:latin typeface="Arial" panose="020B0604020202020204" pitchFamily="34" charset="0"/>
+              <a:cs typeface="Arial" panose="020B0604020202020204" pitchFamily="34" charset="0"/>
+            </a:endParaRPr>
+          </a:p>
+        </p:txBody>
+      </p:sp>
+      <p:pic>
+        <p:nvPicPr>
+          <p:cNvPr id="8" name="Picture 7" descr="A diagram of a diagram&#10;&#10;Description automatically generated with medium confidence">
+            <a:extLst>
+              <a:ext uri="{FF2B5EF4-FFF2-40B4-BE49-F238E27FC236}">
+                <a16:creationId xmlns:a16="http://schemas.microsoft.com/office/drawing/2014/main" id="{4B8552BC-FBC3-C340-FECE-64EF85E43A8F}"/>
+              </a:ext>
+            </a:extLst>
+          </p:cNvPr>
+          <p:cNvPicPr>
+            <a:picLocks noChangeAspect="1"/>
+          </p:cNvPicPr>
+          <p:nvPr/>
+        </p:nvPicPr>
+        <p:blipFill>
+          <a:blip r:embed="rId3">
+            <a:extLst>
+              <a:ext uri="{28A0092B-C50C-407E-A947-70E740481C1C}">
+                <a14:useLocalDpi xmlns:a14="http://schemas.microsoft.com/office/drawing/2010/main" val="0"/>
+              </a:ext>
+            </a:extLst>
+          </a:blip>
+          <a:stretch>
+            <a:fillRect/>
+          </a:stretch>
+        </p:blipFill>
+        <p:spPr>
+          <a:xfrm>
+            <a:off x="6301947" y="4042464"/>
+            <a:ext cx="1945032" cy="2581275"/>
+          </a:xfrm>
+          <a:prstGeom prst="rect">
+            <a:avLst/>
+          </a:prstGeom>
+        </p:spPr>
+      </p:pic>
+      <p:pic>
+        <p:nvPicPr>
+          <p:cNvPr id="10" name="Picture 9" descr="A number on a yellow rectangular surface&#10;&#10;Description automatically generated with medium confidence">
+            <a:extLst>
+              <a:ext uri="{FF2B5EF4-FFF2-40B4-BE49-F238E27FC236}">
+                <a16:creationId xmlns:a16="http://schemas.microsoft.com/office/drawing/2014/main" id="{75D0E445-42E4-8E7C-3941-80B01BA9E44D}"/>
+              </a:ext>
+            </a:extLst>
+          </p:cNvPr>
+          <p:cNvPicPr>
+            <a:picLocks noChangeAspect="1"/>
+          </p:cNvPicPr>
+          <p:nvPr/>
+        </p:nvPicPr>
+        <p:blipFill>
+          <a:blip r:embed="rId4">
+            <a:extLst>
+              <a:ext uri="{28A0092B-C50C-407E-A947-70E740481C1C}">
+                <a14:useLocalDpi xmlns:a14="http://schemas.microsoft.com/office/drawing/2010/main" val="0"/>
+              </a:ext>
+            </a:extLst>
+          </a:blip>
+          <a:stretch>
+            <a:fillRect/>
+          </a:stretch>
+        </p:blipFill>
+        <p:spPr>
+          <a:xfrm>
+            <a:off x="8058408" y="4994965"/>
+            <a:ext cx="4010025" cy="676275"/>
+          </a:xfrm>
+          <a:prstGeom prst="rect">
+            <a:avLst/>
+          </a:prstGeom>
+        </p:spPr>
+      </p:pic>
+      <p:sp>
+        <p:nvSpPr>
+          <p:cNvPr id="11" name="TextBox 10">
+            <a:extLst>
+              <a:ext uri="{FF2B5EF4-FFF2-40B4-BE49-F238E27FC236}">
+                <a16:creationId xmlns:a16="http://schemas.microsoft.com/office/drawing/2014/main" id="{F01732C2-E87F-6E1D-0750-AEFEDB92894A}"/>
+              </a:ext>
+            </a:extLst>
+          </p:cNvPr>
+          <p:cNvSpPr txBox="1"/>
+          <p:nvPr/>
+        </p:nvSpPr>
+        <p:spPr>
+          <a:xfrm>
+            <a:off x="6871260" y="3707585"/>
+            <a:ext cx="1375719" cy="369332"/>
+          </a:xfrm>
+          <a:prstGeom prst="rect">
+            <a:avLst/>
+          </a:prstGeom>
+          <a:noFill/>
+        </p:spPr>
+        <p:txBody>
+          <a:bodyPr wrap="square" rtlCol="0">
+            <a:spAutoFit/>
+          </a:bodyPr>
+          <a:lstStyle/>
+          <a:p>
+            <a:r>
+              <a:rPr lang="en-US" dirty="0">
+                <a:latin typeface="Arial" panose="020B0604020202020204" pitchFamily="34" charset="0"/>
+                <a:cs typeface="Arial" panose="020B0604020202020204" pitchFamily="34" charset="0"/>
+              </a:rPr>
+              <a:t>Stack</a:t>
+            </a:r>
+            <a:endParaRPr lang="bg-BG" dirty="0">
+              <a:latin typeface="Arial" panose="020B0604020202020204" pitchFamily="34" charset="0"/>
+              <a:cs typeface="Arial" panose="020B0604020202020204" pitchFamily="34" charset="0"/>
+            </a:endParaRPr>
+          </a:p>
+        </p:txBody>
+      </p:sp>
+      <p:sp>
+        <p:nvSpPr>
+          <p:cNvPr id="12" name="TextBox 11">
+            <a:extLst>
+              <a:ext uri="{FF2B5EF4-FFF2-40B4-BE49-F238E27FC236}">
+                <a16:creationId xmlns:a16="http://schemas.microsoft.com/office/drawing/2014/main" id="{86579BC0-939D-EA70-6185-97106637D41C}"/>
+              </a:ext>
+            </a:extLst>
+          </p:cNvPr>
+          <p:cNvSpPr txBox="1"/>
+          <p:nvPr/>
+        </p:nvSpPr>
+        <p:spPr>
+          <a:xfrm>
+            <a:off x="9671692" y="4654126"/>
+            <a:ext cx="1375719" cy="369332"/>
+          </a:xfrm>
+          <a:prstGeom prst="rect">
+            <a:avLst/>
+          </a:prstGeom>
+          <a:noFill/>
+        </p:spPr>
+        <p:txBody>
+          <a:bodyPr wrap="square" rtlCol="0">
+            <a:spAutoFit/>
+          </a:bodyPr>
+          <a:lstStyle/>
+          <a:p>
+            <a:r>
+              <a:rPr lang="en-US" dirty="0">
+                <a:latin typeface="Arial" panose="020B0604020202020204" pitchFamily="34" charset="0"/>
+                <a:cs typeface="Arial" panose="020B0604020202020204" pitchFamily="34" charset="0"/>
+              </a:rPr>
+              <a:t>Queue</a:t>
             </a:r>
             <a:endParaRPr lang="bg-BG" dirty="0">
               <a:latin typeface="Arial" panose="020B0604020202020204" pitchFamily="34" charset="0"/>
@@ -6438,8 +7575,8 @@
         </p:blipFill>
         <p:spPr>
           <a:xfrm>
-            <a:off x="5304482" y="1627422"/>
-            <a:ext cx="6051893" cy="3751886"/>
+            <a:off x="6070600" y="1957387"/>
+            <a:ext cx="4010025" cy="2486025"/>
           </a:xfrm>
         </p:spPr>
       </p:pic>
@@ -6634,16 +7771,90 @@
                 <a:latin typeface="Arial" panose="020B0604020202020204" pitchFamily="34" charset="0"/>
                 <a:cs typeface="Arial" panose="020B0604020202020204" pitchFamily="34" charset="0"/>
               </a:rPr>
-              <a:t> ADT</a:t>
+              <a:t> ADT </a:t>
             </a:r>
             <a:r>
               <a:rPr lang="bg-BG" sz="1800" dirty="0">
                 <a:solidFill>
+                  <a:schemeClr val="tx2"/>
+                </a:solidFill>
+                <a:latin typeface="Arial" panose="020B0604020202020204" pitchFamily="34" charset="0"/>
+                <a:cs typeface="Arial" panose="020B0604020202020204" pitchFamily="34" charset="0"/>
+              </a:rPr>
+              <a:t>може да бъде </a:t>
+            </a:r>
+            <a:r>
+              <a:rPr lang="bg-BG" sz="1800" dirty="0">
+                <a:latin typeface="Arial" panose="020B0604020202020204" pitchFamily="34" charset="0"/>
+                <a:cs typeface="Arial" panose="020B0604020202020204" pitchFamily="34" charset="0"/>
+              </a:rPr>
+              <a:t>имплементиран по много начини.</a:t>
+            </a:r>
+          </a:p>
+          <a:p>
+            <a:r>
+              <a:rPr lang="bg-BG" sz="1800" dirty="0">
+                <a:latin typeface="Arial" panose="020B0604020202020204" pitchFamily="34" charset="0"/>
+                <a:cs typeface="Arial" panose="020B0604020202020204" pitchFamily="34" charset="0"/>
+              </a:rPr>
+              <a:t>Възможно е да бъде имплементиран със </a:t>
+            </a:r>
+            <a:r>
+              <a:rPr lang="bg-BG" sz="1800" dirty="0">
+                <a:solidFill>
                   <a:srgbClr val="92D050"/>
                 </a:solidFill>
                 <a:latin typeface="Arial" panose="020B0604020202020204" pitchFamily="34" charset="0"/>
                 <a:cs typeface="Arial" panose="020B0604020202020204" pitchFamily="34" charset="0"/>
               </a:rPr>
+              <a:t>статичен</a:t>
+            </a:r>
+            <a:r>
+              <a:rPr lang="bg-BG" sz="1800" dirty="0">
+                <a:latin typeface="Arial" panose="020B0604020202020204" pitchFamily="34" charset="0"/>
+                <a:cs typeface="Arial" panose="020B0604020202020204" pitchFamily="34" charset="0"/>
+              </a:rPr>
+              <a:t> масив, </a:t>
+            </a:r>
+            <a:r>
+              <a:rPr lang="bg-BG" sz="1800" dirty="0">
+                <a:solidFill>
+                  <a:srgbClr val="92D050"/>
+                </a:solidFill>
+                <a:latin typeface="Arial" panose="020B0604020202020204" pitchFamily="34" charset="0"/>
+                <a:cs typeface="Arial" panose="020B0604020202020204" pitchFamily="34" charset="0"/>
+              </a:rPr>
+              <a:t>динамичен</a:t>
+            </a:r>
+            <a:r>
+              <a:rPr lang="bg-BG" sz="1800" dirty="0">
+                <a:latin typeface="Arial" panose="020B0604020202020204" pitchFamily="34" charset="0"/>
+                <a:cs typeface="Arial" panose="020B0604020202020204" pitchFamily="34" charset="0"/>
+              </a:rPr>
+              <a:t> (</a:t>
+            </a:r>
+            <a:r>
+              <a:rPr lang="en-US" sz="1800" dirty="0">
+                <a:solidFill>
+                  <a:srgbClr val="FFC000"/>
+                </a:solidFill>
+                <a:latin typeface="Arial" panose="020B0604020202020204" pitchFamily="34" charset="0"/>
+                <a:cs typeface="Arial" panose="020B0604020202020204" pitchFamily="34" charset="0"/>
+              </a:rPr>
+              <a:t>resizable</a:t>
+            </a:r>
+            <a:r>
+              <a:rPr lang="bg-BG" sz="1800" dirty="0">
+                <a:latin typeface="Arial" panose="020B0604020202020204" pitchFamily="34" charset="0"/>
+                <a:cs typeface="Arial" panose="020B0604020202020204" pitchFamily="34" charset="0"/>
+              </a:rPr>
+              <a:t>)</a:t>
+            </a:r>
+            <a:r>
+              <a:rPr lang="en-US" sz="1800" dirty="0">
+                <a:latin typeface="Arial" panose="020B0604020202020204" pitchFamily="34" charset="0"/>
+                <a:cs typeface="Arial" panose="020B0604020202020204" pitchFamily="34" charset="0"/>
+              </a:rPr>
               <a:t> </a:t>
             </a:r>
             <a:r>
@@ -6651,50 +7862,7 @@
                 <a:latin typeface="Arial" panose="020B0604020202020204" pitchFamily="34" charset="0"/>
                 <a:cs typeface="Arial" panose="020B0604020202020204" pitchFamily="34" charset="0"/>
               </a:rPr>
-              <a:t>може да бъде имплементиран по много начини.</a:t>
-            </a:r>
-          </a:p>
-          <a:p>
-            <a:r>
-              <a:rPr lang="bg-BG" sz="1800" dirty="0">
-                <a:latin typeface="Arial" panose="020B0604020202020204" pitchFamily="34" charset="0"/>
-                <a:cs typeface="Arial" panose="020B0604020202020204" pitchFamily="34" charset="0"/>
-              </a:rPr>
-              <a:t>Възможно е да бъде имплементиран със </a:t>
-            </a:r>
-            <a:r>
-              <a:rPr lang="bg-BG" sz="1800" dirty="0">
-                <a:solidFill>
-                  <a:srgbClr val="92D050"/>
-                </a:solidFill>
-                <a:latin typeface="Arial" panose="020B0604020202020204" pitchFamily="34" charset="0"/>
-                <a:cs typeface="Arial" panose="020B0604020202020204" pitchFamily="34" charset="0"/>
-              </a:rPr>
-              <a:t>статичен</a:t>
-            </a:r>
-            <a:r>
-              <a:rPr lang="bg-BG" sz="1800" dirty="0">
-                <a:latin typeface="Arial" panose="020B0604020202020204" pitchFamily="34" charset="0"/>
-                <a:cs typeface="Arial" panose="020B0604020202020204" pitchFamily="34" charset="0"/>
-              </a:rPr>
-              <a:t> масив, </a:t>
-            </a:r>
-            <a:r>
-              <a:rPr lang="bg-BG" sz="1800" dirty="0">
-                <a:solidFill>
-                  <a:srgbClr val="92D050"/>
-                </a:solidFill>
-                <a:latin typeface="Arial" panose="020B0604020202020204" pitchFamily="34" charset="0"/>
-                <a:cs typeface="Arial" panose="020B0604020202020204" pitchFamily="34" charset="0"/>
-              </a:rPr>
-              <a:t>динамичен</a:t>
-            </a:r>
-            <a:r>
-              <a:rPr lang="bg-BG" sz="1800" dirty="0">
-                <a:latin typeface="Arial" panose="020B0604020202020204" pitchFamily="34" charset="0"/>
-                <a:cs typeface="Arial" panose="020B0604020202020204" pitchFamily="34" charset="0"/>
-              </a:rPr>
-              <a:t> масив или </a:t>
+              <a:t>масив или </a:t>
             </a:r>
             <a:r>
               <a:rPr lang="bg-BG" sz="1800" dirty="0">
@@ -6925,45 +8093,31 @@
           <a:lstStyle/>
           <a:p>
             <a:r>
+              <a:rPr lang="en-US" dirty="0">
+                <a:solidFill>
+                  <a:srgbClr val="FFFF00"/>
+                </a:solidFill>
+                <a:latin typeface="Arial" panose="020B0604020202020204" pitchFamily="34" charset="0"/>
+                <a:cs typeface="Arial" panose="020B0604020202020204" pitchFamily="34" charset="0"/>
+              </a:rPr>
+              <a:t>List</a:t>
+            </a:r>
+            <a:r>
               <a:rPr lang="bg-BG" dirty="0">
                 <a:solidFill>
-                  <a:srgbClr val="92D050"/>
-                </a:solidFill>
-                <a:latin typeface="Arial" panose="020B0604020202020204" pitchFamily="34" charset="0"/>
-                <a:cs typeface="Arial" panose="020B0604020202020204" pitchFamily="34" charset="0"/>
-              </a:rPr>
-              <a:t>Статичният</a:t>
+                  <a:srgbClr val="FFFF00"/>
+                </a:solidFill>
+                <a:latin typeface="Arial" panose="020B0604020202020204" pitchFamily="34" charset="0"/>
+                <a:cs typeface="Arial" panose="020B0604020202020204" pitchFamily="34" charset="0"/>
+              </a:rPr>
+              <a:t> </a:t>
             </a:r>
             <a:r>
               <a:rPr lang="bg-BG" dirty="0">
                 <a:latin typeface="Arial" panose="020B0604020202020204" pitchFamily="34" charset="0"/>
                 <a:cs typeface="Arial" panose="020B0604020202020204" pitchFamily="34" charset="0"/>
               </a:rPr>
-              <a:t> </a:t>
-            </a:r>
-            <a:r>
-              <a:rPr lang="en-US" dirty="0">
-                <a:solidFill>
-                  <a:srgbClr val="FFFF00"/>
-                </a:solidFill>
-                <a:latin typeface="Arial" panose="020B0604020202020204" pitchFamily="34" charset="0"/>
-                <a:cs typeface="Arial" panose="020B0604020202020204" pitchFamily="34" charset="0"/>
-              </a:rPr>
-              <a:t>List</a:t>
-            </a:r>
-            <a:r>
-              <a:rPr lang="en-US" dirty="0">
-                <a:latin typeface="Arial" panose="020B0604020202020204" pitchFamily="34" charset="0"/>
-                <a:cs typeface="Arial" panose="020B0604020202020204" pitchFamily="34" charset="0"/>
-              </a:rPr>
-              <a:t> </a:t>
-            </a:r>
-            <a:r>
-              <a:rPr lang="bg-BG" dirty="0">
-                <a:latin typeface="Arial" panose="020B0604020202020204" pitchFamily="34" charset="0"/>
-                <a:cs typeface="Arial" panose="020B0604020202020204" pitchFamily="34" charset="0"/>
-              </a:rPr>
-              <a:t>е имплементиран чрез </a:t>
+              <a:t>може да бъде имплементиран чрез </a:t>
             </a:r>
             <a:r>
               <a:rPr lang="bg-BG" dirty="0">
@@ -7119,6 +8273,106 @@
 <file path=ppt/slides/slide7.xml><?xml version="1.0" encoding="utf-8"?>
 <p:sld xmlns:a="http://schemas.openxmlformats.org/drawingml/2006/main" xmlns:r="http://schemas.openxmlformats.org/officeDocument/2006/relationships" xmlns:p="http://schemas.openxmlformats.org/presentationml/2006/main">
   <p:cSld>
+    <p:spTree>
+      <p:nvGrpSpPr>
+        <p:cNvPr id="1" name=""/>
+        <p:cNvGrpSpPr/>
+        <p:nvPr/>
+      </p:nvGrpSpPr>
+      <p:grpSpPr>
+        <a:xfrm>
+          <a:off x="0" y="0"/>
+          <a:ext cx="0" cy="0"/>
+          <a:chOff x="0" y="0"/>
+          <a:chExt cx="0" cy="0"/>
+        </a:xfrm>
+      </p:grpSpPr>
+      <p:sp>
+        <p:nvSpPr>
+          <p:cNvPr id="2" name="Title 1">
+            <a:extLst>
+              <a:ext uri="{FF2B5EF4-FFF2-40B4-BE49-F238E27FC236}">
+                <a16:creationId xmlns:a16="http://schemas.microsoft.com/office/drawing/2014/main" id="{D4F7435F-264A-EB1B-BFEA-F2DCC5222A0A}"/>
+              </a:ext>
+            </a:extLst>
+          </p:cNvPr>
+          <p:cNvSpPr>
+            <a:spLocks noGrp="1"/>
+          </p:cNvSpPr>
+          <p:nvPr>
+            <p:ph type="title"/>
+          </p:nvPr>
+        </p:nvSpPr>
+        <p:spPr/>
+        <p:txBody>
+          <a:bodyPr/>
+          <a:lstStyle/>
+          <a:p>
+            <a:pPr algn="ctr"/>
+            <a:r>
+              <a:rPr lang="bg-BG" dirty="0">
+                <a:solidFill>
+                  <a:schemeClr val="tx2"/>
+                </a:solidFill>
+                <a:latin typeface="Arial" panose="020B0604020202020204" pitchFamily="34" charset="0"/>
+                <a:cs typeface="Arial" panose="020B0604020202020204" pitchFamily="34" charset="0"/>
+              </a:rPr>
+              <a:t>Инициализиране на статичен масив</a:t>
+            </a:r>
+          </a:p>
+        </p:txBody>
+      </p:sp>
+      <p:pic>
+        <p:nvPicPr>
+          <p:cNvPr id="9" name="Content Placeholder 8" descr="A screen shot of a computer&#10;&#10;Description automatically generated">
+            <a:extLst>
+              <a:ext uri="{FF2B5EF4-FFF2-40B4-BE49-F238E27FC236}">
+                <a16:creationId xmlns:a16="http://schemas.microsoft.com/office/drawing/2014/main" id="{E791FB50-4EA5-5479-79A3-B9714F02234E}"/>
+              </a:ext>
+            </a:extLst>
+          </p:cNvPr>
+          <p:cNvPicPr>
+            <a:picLocks noGrp="1" noChangeAspect="1"/>
+          </p:cNvPicPr>
+          <p:nvPr>
+            <p:ph idx="1"/>
+          </p:nvPr>
+        </p:nvPicPr>
+        <p:blipFill>
+          <a:blip r:embed="rId2">
+            <a:extLst>
+              <a:ext uri="{28A0092B-C50C-407E-A947-70E740481C1C}">
+                <a14:useLocalDpi xmlns:a14="http://schemas.microsoft.com/office/drawing/2010/main" val="0"/>
+              </a:ext>
+            </a:extLst>
+          </a:blip>
+          <a:stretch>
+            <a:fillRect/>
+          </a:stretch>
+        </p:blipFill>
+        <p:spPr>
+          <a:xfrm>
+            <a:off x="1012478" y="2514600"/>
+            <a:ext cx="10133317" cy="3002540"/>
+          </a:xfrm>
+        </p:spPr>
+      </p:pic>
+    </p:spTree>
+    <p:extLst>
+      <p:ext uri="{BB962C8B-B14F-4D97-AF65-F5344CB8AC3E}">
+        <p14:creationId xmlns:p14="http://schemas.microsoft.com/office/powerpoint/2010/main" val="3212836926"/>
+      </p:ext>
+    </p:extLst>
+  </p:cSld>
+  <p:clrMapOvr>
+    <a:masterClrMapping/>
+  </p:clrMapOvr>
+</p:sld>
+</file>
+
+<file path=ppt/slides/slide8.xml><?xml version="1.0" encoding="utf-8"?>
+<p:sld xmlns:a="http://schemas.openxmlformats.org/drawingml/2006/main" xmlns:r="http://schemas.openxmlformats.org/officeDocument/2006/relationships" xmlns:p="http://schemas.openxmlformats.org/presentationml/2006/main">
+  <p:cSld>
     <p:bg>
       <p:bgPr>
         <a:blipFill rotWithShape="1">
@@ -7208,110 +8462,6 @@
           </a:p>
         </p:txBody>
       </p:sp>
-      <p:sp>
-        <p:nvSpPr>
-          <p:cNvPr id="6" name="Content Placeholder 5">
-            <a:extLst>
-              <a:ext uri="{FF2B5EF4-FFF2-40B4-BE49-F238E27FC236}">
-                <a16:creationId xmlns:a16="http://schemas.microsoft.com/office/drawing/2014/main" id="{467F835F-CA6C-ACD9-F1E5-DCCE9D0402E7}"/>
-              </a:ext>
-            </a:extLst>
-          </p:cNvPr>
-          <p:cNvSpPr>
-            <a:spLocks noGrp="1"/>
-          </p:cNvSpPr>
-          <p:nvPr>
-            <p:ph sz="half" idx="2"/>
-          </p:nvPr>
-        </p:nvSpPr>
-        <p:spPr>
-          <a:xfrm>
-            <a:off x="6684076" y="2068799"/>
-            <a:ext cx="5122606" cy="3216276"/>
-          </a:xfrm>
-        </p:spPr>
-        <p:txBody>
-          <a:bodyPr vert="horz" lIns="91440" tIns="45720" rIns="91440" bIns="45720" rtlCol="0" anchor="t">
-            <a:normAutofit/>
-          </a:bodyPr>
-          <a:lstStyle/>
-          <a:p>
-            <a:r>
-              <a:rPr lang="bg-BG" dirty="0">
-                <a:latin typeface="Arial" panose="020B0604020202020204" pitchFamily="34" charset="0"/>
-                <a:cs typeface="Arial" panose="020B0604020202020204" pitchFamily="34" charset="0"/>
-              </a:rPr>
-              <a:t>ЕДНО ОТ КЛЮЧОВИТЕ ПРЕДИМСТВА НА МАСИВА ПРЕД НЯКОИ ДРУГИ СТРУКТУРИ ОТ ДАННИ Е </a:t>
-            </a:r>
-            <a:r>
-              <a:rPr lang="bg-BG" dirty="0">
-                <a:solidFill>
-                  <a:srgbClr val="92D050"/>
-                </a:solidFill>
-                <a:latin typeface="Arial" panose="020B0604020202020204" pitchFamily="34" charset="0"/>
-                <a:cs typeface="Arial" panose="020B0604020202020204" pitchFamily="34" charset="0"/>
-              </a:rPr>
-              <a:t>ДОСТЪПА ДО ЕЛЕМЕНТ ПО ИНДЕКС.</a:t>
-            </a:r>
-          </a:p>
-          <a:p>
-            <a:r>
-              <a:rPr lang="bg-BG" dirty="0">
-                <a:latin typeface="Arial" panose="020B0604020202020204" pitchFamily="34" charset="0"/>
-                <a:cs typeface="Arial" panose="020B0604020202020204" pitchFamily="34" charset="0"/>
-              </a:rPr>
-              <a:t>НЯМА ЗНАЧЕНИЕ ДАЛИ ДОСТЪПВАМЕ ПЪРВИЯ, СРЕДНИЯ ИЛИ ПОСЛЕДНИЯТ ЕЛЕМЕНТ В ПАМЕТТА. ДОСТЪПА Е С ТАКА НАРЕЧЕНАТА – </a:t>
-            </a:r>
-            <a:r>
-              <a:rPr lang="bg-BG" dirty="0">
-                <a:solidFill>
-                  <a:srgbClr val="92D050"/>
-                </a:solidFill>
-                <a:latin typeface="Arial" panose="020B0604020202020204" pitchFamily="34" charset="0"/>
-                <a:cs typeface="Arial" panose="020B0604020202020204" pitchFamily="34" charset="0"/>
-              </a:rPr>
-              <a:t>КОНСТАНТНА СЛОЖНОСТ</a:t>
-            </a:r>
-            <a:r>
-              <a:rPr lang="en-US" dirty="0">
-                <a:solidFill>
-                  <a:srgbClr val="92D050"/>
-                </a:solidFill>
-                <a:latin typeface="Arial" panose="020B0604020202020204" pitchFamily="34" charset="0"/>
-                <a:cs typeface="Arial" panose="020B0604020202020204" pitchFamily="34" charset="0"/>
-              </a:rPr>
-              <a:t> - </a:t>
-            </a:r>
-            <a:r>
-              <a:rPr lang="en-US" dirty="0">
-                <a:solidFill>
-                  <a:srgbClr val="FFC000"/>
-                </a:solidFill>
-                <a:latin typeface="Arial" panose="020B0604020202020204" pitchFamily="34" charset="0"/>
-                <a:cs typeface="Arial" panose="020B0604020202020204" pitchFamily="34" charset="0"/>
-              </a:rPr>
-              <a:t>O(1)</a:t>
-            </a:r>
-            <a:r>
-              <a:rPr lang="bg-BG" dirty="0">
-                <a:solidFill>
-                  <a:srgbClr val="FFC000"/>
-                </a:solidFill>
-                <a:latin typeface="Arial" panose="020B0604020202020204" pitchFamily="34" charset="0"/>
-                <a:cs typeface="Arial" panose="020B0604020202020204" pitchFamily="34" charset="0"/>
-              </a:rPr>
-              <a:t>.</a:t>
-            </a:r>
-            <a:endParaRPr lang="en-US" dirty="0">
-              <a:solidFill>
-                <a:srgbClr val="FFC000"/>
-              </a:solidFill>
-              <a:latin typeface="Arial" panose="020B0604020202020204" pitchFamily="34" charset="0"/>
-              <a:cs typeface="Arial" panose="020B0604020202020204" pitchFamily="34" charset="0"/>
-            </a:endParaRPr>
-          </a:p>
-        </p:txBody>
-      </p:sp>
       <p:pic>
         <p:nvPicPr>
           <p:cNvPr id="5" name="Content Placeholder 4" descr="A screenshot of a memory game&#10;&#10;Description automatically generated">
@@ -7342,8 +8492,8 @@
         </p:blipFill>
         <p:spPr>
           <a:xfrm>
-            <a:off x="1336924" y="1895303"/>
-            <a:ext cx="5022554" cy="3389771"/>
+            <a:off x="1073446" y="1622603"/>
+            <a:ext cx="5022554" cy="3612794"/>
           </a:xfrm>
           <a:prstGeom prst="roundRect">
             <a:avLst>
@@ -7375,6 +8525,110 @@
           </a:effectLst>
         </p:spPr>
       </p:pic>
+      <p:sp>
+        <p:nvSpPr>
+          <p:cNvPr id="6" name="Content Placeholder 5">
+            <a:extLst>
+              <a:ext uri="{FF2B5EF4-FFF2-40B4-BE49-F238E27FC236}">
+                <a16:creationId xmlns:a16="http://schemas.microsoft.com/office/drawing/2014/main" id="{467F835F-CA6C-ACD9-F1E5-DCCE9D0402E7}"/>
+              </a:ext>
+            </a:extLst>
+          </p:cNvPr>
+          <p:cNvSpPr>
+            <a:spLocks noGrp="1"/>
+          </p:cNvSpPr>
+          <p:nvPr>
+            <p:ph sz="half" idx="2"/>
+          </p:nvPr>
+        </p:nvSpPr>
+        <p:spPr>
+          <a:xfrm>
+            <a:off x="6684076" y="2068799"/>
+            <a:ext cx="5122606" cy="3216276"/>
+          </a:xfrm>
+        </p:spPr>
+        <p:txBody>
+          <a:bodyPr vert="horz" lIns="91440" tIns="45720" rIns="91440" bIns="45720" rtlCol="0" anchor="t">
+            <a:normAutofit/>
+          </a:bodyPr>
+          <a:lstStyle/>
+          <a:p>
+            <a:r>
+              <a:rPr lang="bg-BG" dirty="0">
+                <a:latin typeface="Arial" panose="020B0604020202020204" pitchFamily="34" charset="0"/>
+                <a:cs typeface="Arial" panose="020B0604020202020204" pitchFamily="34" charset="0"/>
+              </a:rPr>
+              <a:t>ЕДНО ОТ КЛЮЧОВИТЕ ПРЕДИМСТВА НА МАСИВА ПРЕД НЯКОИ ДРУГИ СТРУКТУРИ ОТ ДАННИ Е </a:t>
+            </a:r>
+            <a:r>
+              <a:rPr lang="bg-BG" dirty="0">
+                <a:solidFill>
+                  <a:srgbClr val="92D050"/>
+                </a:solidFill>
+                <a:latin typeface="Arial" panose="020B0604020202020204" pitchFamily="34" charset="0"/>
+                <a:cs typeface="Arial" panose="020B0604020202020204" pitchFamily="34" charset="0"/>
+              </a:rPr>
+              <a:t>ДОСТЪПА ДО ЕЛЕМЕНТ ПО ИНДЕКС.</a:t>
+            </a:r>
+          </a:p>
+          <a:p>
+            <a:r>
+              <a:rPr lang="bg-BG" dirty="0">
+                <a:latin typeface="Arial" panose="020B0604020202020204" pitchFamily="34" charset="0"/>
+                <a:cs typeface="Arial" panose="020B0604020202020204" pitchFamily="34" charset="0"/>
+              </a:rPr>
+              <a:t>НЯМА ЗНАЧЕНИЕ ДАЛИ ДОСТЪПВАМЕ ПЪРВИЯ, СРЕДНИЯ ИЛИ ПОСЛЕДНИЯТ ЕЛЕМЕНТ В ПАМЕТТА. ДОСТЪПА Е С ТАКА НАРЕЧЕНАТА – </a:t>
+            </a:r>
+            <a:r>
+              <a:rPr lang="bg-BG" dirty="0">
+                <a:solidFill>
+                  <a:srgbClr val="92D050"/>
+                </a:solidFill>
+                <a:latin typeface="Arial" panose="020B0604020202020204" pitchFamily="34" charset="0"/>
+                <a:cs typeface="Arial" panose="020B0604020202020204" pitchFamily="34" charset="0"/>
+              </a:rPr>
+              <a:t>КОНСТАНТНА СЛОЖНОСТ</a:t>
+            </a:r>
+            <a:r>
+              <a:rPr lang="en-US" dirty="0">
+                <a:solidFill>
+                  <a:srgbClr val="92D050"/>
+                </a:solidFill>
+                <a:latin typeface="Arial" panose="020B0604020202020204" pitchFamily="34" charset="0"/>
+                <a:cs typeface="Arial" panose="020B0604020202020204" pitchFamily="34" charset="0"/>
+              </a:rPr>
+              <a:t> - </a:t>
+            </a:r>
+            <a:r>
+              <a:rPr lang="en-US" dirty="0">
+                <a:solidFill>
+                  <a:srgbClr val="FFC000"/>
+                </a:solidFill>
+                <a:latin typeface="Arial" panose="020B0604020202020204" pitchFamily="34" charset="0"/>
+                <a:cs typeface="Arial" panose="020B0604020202020204" pitchFamily="34" charset="0"/>
+              </a:rPr>
+              <a:t>O(1)</a:t>
+            </a:r>
+            <a:r>
+              <a:rPr lang="bg-BG" dirty="0">
+                <a:solidFill>
+                  <a:srgbClr val="FFC000"/>
+                </a:solidFill>
+                <a:latin typeface="Arial" panose="020B0604020202020204" pitchFamily="34" charset="0"/>
+                <a:cs typeface="Arial" panose="020B0604020202020204" pitchFamily="34" charset="0"/>
+              </a:rPr>
+              <a:t>.</a:t>
+            </a:r>
+            <a:endParaRPr lang="en-US" dirty="0">
+              <a:solidFill>
+                <a:srgbClr val="FFC000"/>
+              </a:solidFill>
+              <a:latin typeface="Arial" panose="020B0604020202020204" pitchFamily="34" charset="0"/>
+              <a:cs typeface="Arial" panose="020B0604020202020204" pitchFamily="34" charset="0"/>
+            </a:endParaRPr>
+          </a:p>
+        </p:txBody>
+      </p:sp>
     </p:spTree>
     <p:extLst>
       <p:ext uri="{BB962C8B-B14F-4D97-AF65-F5344CB8AC3E}">
@@ -7388,7 +8642,7 @@
 </p:sld>
 </file>
 
-<file path=ppt/slides/slide8.xml><?xml version="1.0" encoding="utf-8"?>
+<file path=ppt/slides/slide9.xml><?xml version="1.0" encoding="utf-8"?>
 <p:sld xmlns:a="http://schemas.openxmlformats.org/drawingml/2006/main" xmlns:r="http://schemas.openxmlformats.org/officeDocument/2006/relationships" xmlns:p="http://schemas.openxmlformats.org/presentationml/2006/main">
   <p:cSld>
     <p:spTree>
@@ -7467,8 +8721,8 @@
         </p:nvSpPr>
         <p:spPr>
           <a:xfrm>
-            <a:off x="1141413" y="2397212"/>
-            <a:ext cx="9905998" cy="2215978"/>
+            <a:off x="1075510" y="2133600"/>
+            <a:ext cx="9905998" cy="3443416"/>
           </a:xfrm>
         </p:spPr>
         <p:txBody>
@@ -7575,6 +8829,25 @@
                 <a:cs typeface="Arial" panose="020B0604020202020204" pitchFamily="34" charset="0"/>
               </a:rPr>
               <a:t>за по-голям масив, в който да се преместят елементите.</a:t>
+            </a:r>
+          </a:p>
+          <a:p>
+            <a:r>
+              <a:rPr lang="bg-BG" dirty="0">
+                <a:solidFill>
+                  <a:srgbClr val="92D050"/>
+                </a:solidFill>
+                <a:latin typeface="Arial" panose="020B0604020202020204" pitchFamily="34" charset="0"/>
+                <a:cs typeface="Arial" panose="020B0604020202020204" pitchFamily="34" charset="0"/>
+              </a:rPr>
+              <a:t>Статичният масив </a:t>
+            </a:r>
+            <a:r>
+              <a:rPr lang="bg-BG" dirty="0">
+                <a:latin typeface="Arial" panose="020B0604020202020204" pitchFamily="34" charset="0"/>
+                <a:cs typeface="Arial" panose="020B0604020202020204" pitchFamily="34" charset="0"/>
+              </a:rPr>
+              <a:t>НЯМА собствени методи за добавяне, вмъкване, триене и т.н. на елемент. </a:t>
             </a:r>
           </a:p>
         </p:txBody>
